--- a/StrangeChat_지은.pptx
+++ b/StrangeChat_지은.pptx
@@ -1,8 +1,8 @@
 
 <file path=ppt/presentation.xml><?xml version="1.0" encoding="utf-8"?>
-<p:presentation xmlns:a="http://schemas.openxmlformats.org/drawingml/2006/main" xmlns:r="http://schemas.openxmlformats.org/officeDocument/2006/relationships" xmlns:p="http://schemas.openxmlformats.org/presentationml/2006/main" saveSubsetFonts="1">
+<p:presentation xmlns:r="http://schemas.openxmlformats.org/officeDocument/2006/relationships" xmlns:c="http://schemas.openxmlformats.org/drawingml/2006/chart" xmlns:a="http://schemas.openxmlformats.org/drawingml/2006/main" xmlns:dgm="http://schemas.openxmlformats.org/drawingml/2006/diagram" xmlns:dsp="http://schemas.microsoft.com/office/drawing/2008/diagram" xmlns:p="http://schemas.openxmlformats.org/presentationml/2006/main">
   <p:sldMasterIdLst>
-    <p:sldMasterId id="2147483660" r:id="rId1"/>
+    <p:sldMasterId id="2147483672" r:id="rId1"/>
   </p:sldMasterIdLst>
   <p:sldIdLst>
     <p:sldId id="278" r:id="rId2"/>
@@ -119,848 +119,7 @@
       </a:defRPr>
     </a:lvl9pPr>
   </p:defaultTextStyle>
-  <p:extLst>
-    <p:ext uri="{EFAFB233-063F-42B5-8137-9DF3F51BA10A}">
-      <p15:sldGuideLst xmlns:p15="http://schemas.microsoft.com/office/powerpoint/2012/main"/>
-    </p:ext>
-  </p:extLst>
 </p:presentation>
-</file>
-
-<file path=ppt/revisionInfo.xml><?xml version="1.0" encoding="utf-8"?>
-<p1510:revInfo xmlns:a="http://schemas.openxmlformats.org/drawingml/2006/main" xmlns:r="http://schemas.openxmlformats.org/officeDocument/2006/relationships" xmlns:p1510="http://schemas.microsoft.com/office/powerpoint/2015/10/main">
-  <p1510:revLst>
-    <p1510:client id="{5725AB2F-871E-4B50-9AC9-36107E3A852E}" v="461" dt="2023-11-22T05:32:30.861"/>
-  </p1510:revLst>
-</p1510:revInfo>
-</file>
-
-<file path=ppt/changesInfos/changesInfo1.xml><?xml version="1.0" encoding="utf-8"?>
-<pc:chgInfo xmlns:a="http://schemas.openxmlformats.org/drawingml/2006/main" xmlns:r="http://schemas.openxmlformats.org/officeDocument/2006/relationships" xmlns:ac="http://schemas.microsoft.com/office/drawing/2013/main/command" xmlns:pc="http://schemas.microsoft.com/office/powerpoint/2013/main/command">
-  <pc:docChgLst>
-    <pc:chgData name="수영 김" userId="78f2ecea5f65f696" providerId="LiveId" clId="{5725AB2F-871E-4B50-9AC9-36107E3A852E}"/>
-    <pc:docChg chg="undo custSel addSld delSld modSld addMainMaster delMainMaster">
-      <pc:chgData name="수영 김" userId="78f2ecea5f65f696" providerId="LiveId" clId="{5725AB2F-871E-4B50-9AC9-36107E3A852E}" dt="2023-11-22T05:32:30.876" v="3049" actId="20577"/>
-      <pc:docMkLst>
-        <pc:docMk/>
-      </pc:docMkLst>
-      <pc:sldChg chg="addSp delSp modSp mod setBg modClrScheme delDesignElem chgLayout">
-        <pc:chgData name="수영 김" userId="78f2ecea5f65f696" providerId="LiveId" clId="{5725AB2F-871E-4B50-9AC9-36107E3A852E}" dt="2023-11-17T23:12:56.295" v="215"/>
-        <pc:sldMkLst>
-          <pc:docMk/>
-          <pc:sldMk cId="780965050" sldId="256"/>
-        </pc:sldMkLst>
-        <pc:spChg chg="mod">
-          <ac:chgData name="수영 김" userId="78f2ecea5f65f696" providerId="LiveId" clId="{5725AB2F-871E-4B50-9AC9-36107E3A852E}" dt="2023-11-17T23:11:10.685" v="207" actId="20577"/>
-          <ac:spMkLst>
-            <pc:docMk/>
-            <pc:sldMk cId="780965050" sldId="256"/>
-            <ac:spMk id="2" creationId="{4FA82689-0B03-C205-0502-DA2A0759F0DC}"/>
-          </ac:spMkLst>
-        </pc:spChg>
-        <pc:spChg chg="mod">
-          <ac:chgData name="수영 김" userId="78f2ecea5f65f696" providerId="LiveId" clId="{5725AB2F-871E-4B50-9AC9-36107E3A852E}" dt="2023-11-17T23:09:00.388" v="168" actId="1076"/>
-          <ac:spMkLst>
-            <pc:docMk/>
-            <pc:sldMk cId="780965050" sldId="256"/>
-            <ac:spMk id="3" creationId="{3ADA3AE3-7CC8-07D8-F4BE-138DC244945F}"/>
-          </ac:spMkLst>
-        </pc:spChg>
-        <pc:spChg chg="add del">
-          <ac:chgData name="수영 김" userId="78f2ecea5f65f696" providerId="LiveId" clId="{5725AB2F-871E-4B50-9AC9-36107E3A852E}" dt="2023-11-17T23:12:56.295" v="215"/>
-          <ac:spMkLst>
-            <pc:docMk/>
-            <pc:sldMk cId="780965050" sldId="256"/>
-            <ac:spMk id="10" creationId="{168AB93A-48BC-4C25-A3AD-C17B5A682A94}"/>
-          </ac:spMkLst>
-        </pc:spChg>
-        <pc:spChg chg="add del">
-          <ac:chgData name="수영 김" userId="78f2ecea5f65f696" providerId="LiveId" clId="{5725AB2F-871E-4B50-9AC9-36107E3A852E}" dt="2023-11-17T23:12:56.295" v="215"/>
-          <ac:spMkLst>
-            <pc:docMk/>
-            <pc:sldMk cId="780965050" sldId="256"/>
-            <ac:spMk id="12" creationId="{AF4AE179-A75B-4007-B5FA-8139ACFB9B81}"/>
-          </ac:spMkLst>
-        </pc:spChg>
-        <pc:spChg chg="add del">
-          <ac:chgData name="수영 김" userId="78f2ecea5f65f696" providerId="LiveId" clId="{5725AB2F-871E-4B50-9AC9-36107E3A852E}" dt="2023-11-17T23:12:56.295" v="215"/>
-          <ac:spMkLst>
-            <pc:docMk/>
-            <pc:sldMk cId="780965050" sldId="256"/>
-            <ac:spMk id="14" creationId="{3FCFB1DE-0B7E-48CC-BA90-B2AB0889F9D6}"/>
-          </ac:spMkLst>
-        </pc:spChg>
-        <pc:picChg chg="add mod">
-          <ac:chgData name="수영 김" userId="78f2ecea5f65f696" providerId="LiveId" clId="{5725AB2F-871E-4B50-9AC9-36107E3A852E}" dt="2023-11-17T23:11:27.589" v="210" actId="14100"/>
-          <ac:picMkLst>
-            <pc:docMk/>
-            <pc:sldMk cId="780965050" sldId="256"/>
-            <ac:picMk id="5" creationId="{469806A8-2A86-0C1E-095E-943AC25AA4AC}"/>
-          </ac:picMkLst>
-        </pc:picChg>
-      </pc:sldChg>
-      <pc:sldChg chg="addSp delSp modSp new mod modClrScheme chgLayout">
-        <pc:chgData name="수영 김" userId="78f2ecea5f65f696" providerId="LiveId" clId="{5725AB2F-871E-4B50-9AC9-36107E3A852E}" dt="2023-11-18T00:19:08.455" v="1922" actId="14100"/>
-        <pc:sldMkLst>
-          <pc:docMk/>
-          <pc:sldMk cId="4035908861" sldId="257"/>
-        </pc:sldMkLst>
-        <pc:spChg chg="add del mod">
-          <ac:chgData name="수영 김" userId="78f2ecea5f65f696" providerId="LiveId" clId="{5725AB2F-871E-4B50-9AC9-36107E3A852E}" dt="2023-11-17T23:16:21.547" v="348" actId="478"/>
-          <ac:spMkLst>
-            <pc:docMk/>
-            <pc:sldMk cId="4035908861" sldId="257"/>
-            <ac:spMk id="2" creationId="{419E336B-6D8D-1130-5F19-5717CDF94F2C}"/>
-          </ac:spMkLst>
-        </pc:spChg>
-        <pc:spChg chg="del mod">
-          <ac:chgData name="수영 김" userId="78f2ecea5f65f696" providerId="LiveId" clId="{5725AB2F-871E-4B50-9AC9-36107E3A852E}" dt="2023-11-17T23:14:26.587" v="335" actId="26606"/>
-          <ac:spMkLst>
-            <pc:docMk/>
-            <pc:sldMk cId="4035908861" sldId="257"/>
-            <ac:spMk id="3" creationId="{08DED43E-997B-DADC-22E0-ECC6CDCA3DB3}"/>
-          </ac:spMkLst>
-        </pc:spChg>
-        <pc:spChg chg="add del mod">
-          <ac:chgData name="수영 김" userId="78f2ecea5f65f696" providerId="LiveId" clId="{5725AB2F-871E-4B50-9AC9-36107E3A852E}" dt="2023-11-17T23:12:14.380" v="212" actId="478"/>
-          <ac:spMkLst>
-            <pc:docMk/>
-            <pc:sldMk cId="4035908861" sldId="257"/>
-            <ac:spMk id="5" creationId="{B11D1684-BB29-7A4F-9C0F-40CC4114F1EE}"/>
-          </ac:spMkLst>
-        </pc:spChg>
-        <pc:spChg chg="add del mod">
-          <ac:chgData name="수영 김" userId="78f2ecea5f65f696" providerId="LiveId" clId="{5725AB2F-871E-4B50-9AC9-36107E3A852E}" dt="2023-11-17T23:16:22.500" v="349" actId="478"/>
-          <ac:spMkLst>
-            <pc:docMk/>
-            <pc:sldMk cId="4035908861" sldId="257"/>
-            <ac:spMk id="8" creationId="{376AB12A-6A45-4BCF-1192-D9D6D830AD86}"/>
-          </ac:spMkLst>
-        </pc:spChg>
-        <pc:spChg chg="add del mod">
-          <ac:chgData name="수영 김" userId="78f2ecea5f65f696" providerId="LiveId" clId="{5725AB2F-871E-4B50-9AC9-36107E3A852E}" dt="2023-11-18T00:01:23.337" v="1351" actId="478"/>
-          <ac:spMkLst>
-            <pc:docMk/>
-            <pc:sldMk cId="4035908861" sldId="257"/>
-            <ac:spMk id="9" creationId="{A616A6C4-DA98-802A-8BF3-C53EE82A83EC}"/>
-          </ac:spMkLst>
-        </pc:spChg>
-        <pc:spChg chg="add mod">
-          <ac:chgData name="수영 김" userId="78f2ecea5f65f696" providerId="LiveId" clId="{5725AB2F-871E-4B50-9AC9-36107E3A852E}" dt="2023-11-17T23:24:07.733" v="470" actId="571"/>
-          <ac:spMkLst>
-            <pc:docMk/>
-            <pc:sldMk cId="4035908861" sldId="257"/>
-            <ac:spMk id="11" creationId="{722942D3-75D2-7CF6-DC98-946B12001935}"/>
-          </ac:spMkLst>
-        </pc:spChg>
-        <pc:spChg chg="add mod">
-          <ac:chgData name="수영 김" userId="78f2ecea5f65f696" providerId="LiveId" clId="{5725AB2F-871E-4B50-9AC9-36107E3A852E}" dt="2023-11-17T23:37:13.528" v="558" actId="571"/>
-          <ac:spMkLst>
-            <pc:docMk/>
-            <pc:sldMk cId="4035908861" sldId="257"/>
-            <ac:spMk id="13" creationId="{AE53E5E9-CD33-A993-CE77-BE166B6D5398}"/>
-          </ac:spMkLst>
-        </pc:spChg>
-        <pc:spChg chg="add mod">
-          <ac:chgData name="수영 김" userId="78f2ecea5f65f696" providerId="LiveId" clId="{5725AB2F-871E-4B50-9AC9-36107E3A852E}" dt="2023-11-18T00:01:26.502" v="1358"/>
-          <ac:spMkLst>
-            <pc:docMk/>
-            <pc:sldMk cId="4035908861" sldId="257"/>
-            <ac:spMk id="14" creationId="{037D7522-2827-EF90-4A28-4C78F23D19AB}"/>
-          </ac:spMkLst>
-        </pc:spChg>
-        <pc:graphicFrameChg chg="add mod ord">
-          <ac:chgData name="수영 김" userId="78f2ecea5f65f696" providerId="LiveId" clId="{5725AB2F-871E-4B50-9AC9-36107E3A852E}" dt="2023-11-17T23:28:06.408" v="516" actId="1076"/>
-          <ac:graphicFrameMkLst>
-            <pc:docMk/>
-            <pc:sldMk cId="4035908861" sldId="257"/>
-            <ac:graphicFrameMk id="6" creationId="{CFF3124E-72EC-AB1A-93C6-415716B578E0}"/>
-          </ac:graphicFrameMkLst>
-        </pc:graphicFrameChg>
-        <pc:graphicFrameChg chg="add del mod">
-          <ac:chgData name="수영 김" userId="78f2ecea5f65f696" providerId="LiveId" clId="{5725AB2F-871E-4B50-9AC9-36107E3A852E}" dt="2023-11-17T23:17:03.561" v="357"/>
-          <ac:graphicFrameMkLst>
-            <pc:docMk/>
-            <pc:sldMk cId="4035908861" sldId="257"/>
-            <ac:graphicFrameMk id="10" creationId="{9CC5A569-1696-E13B-0DF5-5B9B92ED148B}"/>
-          </ac:graphicFrameMkLst>
-        </pc:graphicFrameChg>
-        <pc:graphicFrameChg chg="add mod modGraphic">
-          <ac:chgData name="수영 김" userId="78f2ecea5f65f696" providerId="LiveId" clId="{5725AB2F-871E-4B50-9AC9-36107E3A852E}" dt="2023-11-17T23:31:53.167" v="553" actId="207"/>
-          <ac:graphicFrameMkLst>
-            <pc:docMk/>
-            <pc:sldMk cId="4035908861" sldId="257"/>
-            <ac:graphicFrameMk id="12" creationId="{80203045-D663-5BDF-FE0F-F80F1E971BEC}"/>
-          </ac:graphicFrameMkLst>
-        </pc:graphicFrameChg>
-        <pc:picChg chg="add mod">
-          <ac:chgData name="수영 김" userId="78f2ecea5f65f696" providerId="LiveId" clId="{5725AB2F-871E-4B50-9AC9-36107E3A852E}" dt="2023-11-18T00:19:08.455" v="1922" actId="14100"/>
-          <ac:picMkLst>
-            <pc:docMk/>
-            <pc:sldMk cId="4035908861" sldId="257"/>
-            <ac:picMk id="1026" creationId="{31ECFE90-EAC0-6B49-342B-3276AF59D39F}"/>
-          </ac:picMkLst>
-        </pc:picChg>
-        <pc:picChg chg="add mod">
-          <ac:chgData name="수영 김" userId="78f2ecea5f65f696" providerId="LiveId" clId="{5725AB2F-871E-4B50-9AC9-36107E3A852E}" dt="2023-11-17T23:31:17.198" v="548" actId="1076"/>
-          <ac:picMkLst>
-            <pc:docMk/>
-            <pc:sldMk cId="4035908861" sldId="257"/>
-            <ac:picMk id="1028" creationId="{2AEECBAE-D38C-6064-318A-CD5562FBB8C9}"/>
-          </ac:picMkLst>
-        </pc:picChg>
-        <pc:picChg chg="add mod">
-          <ac:chgData name="수영 김" userId="78f2ecea5f65f696" providerId="LiveId" clId="{5725AB2F-871E-4B50-9AC9-36107E3A852E}" dt="2023-11-17T23:31:12.370" v="546" actId="1076"/>
-          <ac:picMkLst>
-            <pc:docMk/>
-            <pc:sldMk cId="4035908861" sldId="257"/>
-            <ac:picMk id="1030" creationId="{F27BA777-FC19-7E9D-EF29-8DB722508D54}"/>
-          </ac:picMkLst>
-        </pc:picChg>
-        <pc:picChg chg="add del">
-          <ac:chgData name="수영 김" userId="78f2ecea5f65f696" providerId="LiveId" clId="{5725AB2F-871E-4B50-9AC9-36107E3A852E}" dt="2023-11-17T23:30:39.036" v="532" actId="478"/>
-          <ac:picMkLst>
-            <pc:docMk/>
-            <pc:sldMk cId="4035908861" sldId="257"/>
-            <ac:picMk id="1032" creationId="{6F46F5E9-A0B4-D727-B844-198C1BDDF9B6}"/>
-          </ac:picMkLst>
-        </pc:picChg>
-        <pc:picChg chg="add mod">
-          <ac:chgData name="수영 김" userId="78f2ecea5f65f696" providerId="LiveId" clId="{5725AB2F-871E-4B50-9AC9-36107E3A852E}" dt="2023-11-17T23:31:03.700" v="540" actId="1076"/>
-          <ac:picMkLst>
-            <pc:docMk/>
-            <pc:sldMk cId="4035908861" sldId="257"/>
-            <ac:picMk id="1034" creationId="{20F082C5-3BD9-8881-8F52-0B0413B19FCE}"/>
-          </ac:picMkLst>
-        </pc:picChg>
-      </pc:sldChg>
-      <pc:sldChg chg="modSp new del mod">
-        <pc:chgData name="수영 김" userId="78f2ecea5f65f696" providerId="LiveId" clId="{5725AB2F-871E-4B50-9AC9-36107E3A852E}" dt="2023-11-17T23:16:42.540" v="352" actId="47"/>
-        <pc:sldMkLst>
-          <pc:docMk/>
-          <pc:sldMk cId="2422419114" sldId="258"/>
-        </pc:sldMkLst>
-        <pc:spChg chg="mod">
-          <ac:chgData name="수영 김" userId="78f2ecea5f65f696" providerId="LiveId" clId="{5725AB2F-871E-4B50-9AC9-36107E3A852E}" dt="2023-11-17T23:15:56.552" v="345" actId="2085"/>
-          <ac:spMkLst>
-            <pc:docMk/>
-            <pc:sldMk cId="2422419114" sldId="258"/>
-            <ac:spMk id="2" creationId="{B4E2BA0F-9939-B85A-359A-9F698FA5F3BA}"/>
-          </ac:spMkLst>
-        </pc:spChg>
-      </pc:sldChg>
-      <pc:sldChg chg="addSp delSp modSp new mod">
-        <pc:chgData name="수영 김" userId="78f2ecea5f65f696" providerId="LiveId" clId="{5725AB2F-871E-4B50-9AC9-36107E3A852E}" dt="2023-11-22T05:27:45.085" v="2841" actId="20577"/>
-        <pc:sldMkLst>
-          <pc:docMk/>
-          <pc:sldMk cId="2791299118" sldId="258"/>
-        </pc:sldMkLst>
-        <pc:spChg chg="add del mod">
-          <ac:chgData name="수영 김" userId="78f2ecea5f65f696" providerId="LiveId" clId="{5725AB2F-871E-4B50-9AC9-36107E3A852E}" dt="2023-11-17T23:37:27.512" v="562" actId="478"/>
-          <ac:spMkLst>
-            <pc:docMk/>
-            <pc:sldMk cId="2791299118" sldId="258"/>
-            <ac:spMk id="3" creationId="{CF61445A-33BE-00DE-A2D6-33E53A0DEB50}"/>
-          </ac:spMkLst>
-        </pc:spChg>
-        <pc:spChg chg="add del mod">
-          <ac:chgData name="수영 김" userId="78f2ecea5f65f696" providerId="LiveId" clId="{5725AB2F-871E-4B50-9AC9-36107E3A852E}" dt="2023-11-17T23:37:38.355" v="566" actId="478"/>
-          <ac:spMkLst>
-            <pc:docMk/>
-            <pc:sldMk cId="2791299118" sldId="258"/>
-            <ac:spMk id="4" creationId="{76397B3F-0A43-1C4F-5B19-D328DF82A583}"/>
-          </ac:spMkLst>
-        </pc:spChg>
-        <pc:spChg chg="add mod">
-          <ac:chgData name="수영 김" userId="78f2ecea5f65f696" providerId="LiveId" clId="{5725AB2F-871E-4B50-9AC9-36107E3A852E}" dt="2023-11-18T00:01:16.658" v="1350" actId="2711"/>
-          <ac:spMkLst>
-            <pc:docMk/>
-            <pc:sldMk cId="2791299118" sldId="258"/>
-            <ac:spMk id="5" creationId="{275ACF4A-23CF-6A60-E9D7-324F8EFAAA6C}"/>
-          </ac:spMkLst>
-        </pc:spChg>
-        <pc:spChg chg="add mod">
-          <ac:chgData name="수영 김" userId="78f2ecea5f65f696" providerId="LiveId" clId="{5725AB2F-871E-4B50-9AC9-36107E3A852E}" dt="2023-11-18T00:02:01.612" v="1382" actId="1076"/>
-          <ac:spMkLst>
-            <pc:docMk/>
-            <pc:sldMk cId="2791299118" sldId="258"/>
-            <ac:spMk id="10" creationId="{A45715E8-74CF-BA4A-0B00-5C5744C83E69}"/>
-          </ac:spMkLst>
-        </pc:spChg>
-        <pc:spChg chg="add mod">
-          <ac:chgData name="수영 김" userId="78f2ecea5f65f696" providerId="LiveId" clId="{5725AB2F-871E-4B50-9AC9-36107E3A852E}" dt="2023-11-18T00:02:01.612" v="1382" actId="1076"/>
-          <ac:spMkLst>
-            <pc:docMk/>
-            <pc:sldMk cId="2791299118" sldId="258"/>
-            <ac:spMk id="11" creationId="{331C1671-7B9F-E99C-85D2-0ECEC8CCC24B}"/>
-          </ac:spMkLst>
-        </pc:spChg>
-        <pc:spChg chg="add mod">
-          <ac:chgData name="수영 김" userId="78f2ecea5f65f696" providerId="LiveId" clId="{5725AB2F-871E-4B50-9AC9-36107E3A852E}" dt="2023-11-18T00:02:01.612" v="1382" actId="1076"/>
-          <ac:spMkLst>
-            <pc:docMk/>
-            <pc:sldMk cId="2791299118" sldId="258"/>
-            <ac:spMk id="12" creationId="{6A69287A-F258-81EA-B5C2-FC6937FB71BB}"/>
-          </ac:spMkLst>
-        </pc:spChg>
-        <pc:spChg chg="add mod">
-          <ac:chgData name="수영 김" userId="78f2ecea5f65f696" providerId="LiveId" clId="{5725AB2F-871E-4B50-9AC9-36107E3A852E}" dt="2023-11-18T00:02:01.612" v="1382" actId="1076"/>
-          <ac:spMkLst>
-            <pc:docMk/>
-            <pc:sldMk cId="2791299118" sldId="258"/>
-            <ac:spMk id="13" creationId="{B8176A8D-825F-EAA0-E47D-821F727430C1}"/>
-          </ac:spMkLst>
-        </pc:spChg>
-        <pc:graphicFrameChg chg="add mod modGraphic">
-          <ac:chgData name="수영 김" userId="78f2ecea5f65f696" providerId="LiveId" clId="{5725AB2F-871E-4B50-9AC9-36107E3A852E}" dt="2023-11-17T23:26:55.831" v="493" actId="14100"/>
-          <ac:graphicFrameMkLst>
-            <pc:docMk/>
-            <pc:sldMk cId="2791299118" sldId="258"/>
-            <ac:graphicFrameMk id="2" creationId="{6B4B6A78-B0B0-1FB0-D0BF-2F82710E62A9}"/>
-          </ac:graphicFrameMkLst>
-        </pc:graphicFrameChg>
-        <pc:graphicFrameChg chg="add del mod modGraphic">
-          <ac:chgData name="수영 김" userId="78f2ecea5f65f696" providerId="LiveId" clId="{5725AB2F-871E-4B50-9AC9-36107E3A852E}" dt="2023-11-22T05:27:45.085" v="2841" actId="20577"/>
-          <ac:graphicFrameMkLst>
-            <pc:docMk/>
-            <pc:sldMk cId="2791299118" sldId="258"/>
-            <ac:graphicFrameMk id="7" creationId="{15EC9316-F116-A3D4-E703-7FC88F0E3DC3}"/>
-          </ac:graphicFrameMkLst>
-        </pc:graphicFrameChg>
-        <pc:graphicFrameChg chg="add mod">
-          <ac:chgData name="수영 김" userId="78f2ecea5f65f696" providerId="LiveId" clId="{5725AB2F-871E-4B50-9AC9-36107E3A852E}" dt="2023-11-17T23:53:03.061" v="975" actId="571"/>
-          <ac:graphicFrameMkLst>
-            <pc:docMk/>
-            <pc:sldMk cId="2791299118" sldId="258"/>
-            <ac:graphicFrameMk id="8" creationId="{65D3F783-A25A-44F8-335F-B6E7C8342175}"/>
-          </ac:graphicFrameMkLst>
-        </pc:graphicFrameChg>
-        <pc:graphicFrameChg chg="add mod modGraphic">
-          <ac:chgData name="수영 김" userId="78f2ecea5f65f696" providerId="LiveId" clId="{5725AB2F-871E-4B50-9AC9-36107E3A852E}" dt="2023-11-18T00:02:01.612" v="1382" actId="1076"/>
-          <ac:graphicFrameMkLst>
-            <pc:docMk/>
-            <pc:sldMk cId="2791299118" sldId="258"/>
-            <ac:graphicFrameMk id="9" creationId="{54A0D2D7-EB45-B0D2-8988-13BD69405F71}"/>
-          </ac:graphicFrameMkLst>
-        </pc:graphicFrameChg>
-        <pc:picChg chg="add del mod">
-          <ac:chgData name="수영 김" userId="78f2ecea5f65f696" providerId="LiveId" clId="{5725AB2F-871E-4B50-9AC9-36107E3A852E}" dt="2023-11-17T23:48:32.541" v="603" actId="478"/>
-          <ac:picMkLst>
-            <pc:docMk/>
-            <pc:sldMk cId="2791299118" sldId="258"/>
-            <ac:picMk id="6" creationId="{2F6077E6-2EAC-994E-7B96-676583FA1969}"/>
-          </ac:picMkLst>
-        </pc:picChg>
-        <pc:picChg chg="add mod">
-          <ac:chgData name="수영 김" userId="78f2ecea5f65f696" providerId="LiveId" clId="{5725AB2F-871E-4B50-9AC9-36107E3A852E}" dt="2023-11-18T00:02:01.612" v="1382" actId="1076"/>
-          <ac:picMkLst>
-            <pc:docMk/>
-            <pc:sldMk cId="2791299118" sldId="258"/>
-            <ac:picMk id="2050" creationId="{996EC6E7-4160-BC98-5438-EC153F83787C}"/>
-          </ac:picMkLst>
-        </pc:picChg>
-        <pc:picChg chg="add mod">
-          <ac:chgData name="수영 김" userId="78f2ecea5f65f696" providerId="LiveId" clId="{5725AB2F-871E-4B50-9AC9-36107E3A852E}" dt="2023-11-18T00:02:01.612" v="1382" actId="1076"/>
-          <ac:picMkLst>
-            <pc:docMk/>
-            <pc:sldMk cId="2791299118" sldId="258"/>
-            <ac:picMk id="2052" creationId="{55625E5F-6D8C-E93C-D053-5506DDAA1124}"/>
-          </ac:picMkLst>
-        </pc:picChg>
-      </pc:sldChg>
-      <pc:sldChg chg="addSp delSp modSp new mod">
-        <pc:chgData name="수영 김" userId="78f2ecea5f65f696" providerId="LiveId" clId="{5725AB2F-871E-4B50-9AC9-36107E3A852E}" dt="2023-11-22T05:26:02.389" v="2753" actId="20577"/>
-        <pc:sldMkLst>
-          <pc:docMk/>
-          <pc:sldMk cId="1998652720" sldId="259"/>
-        </pc:sldMkLst>
-        <pc:spChg chg="add del mod">
-          <ac:chgData name="수영 김" userId="78f2ecea5f65f696" providerId="LiveId" clId="{5725AB2F-871E-4B50-9AC9-36107E3A852E}" dt="2023-11-18T00:01:32.336" v="1359" actId="478"/>
-          <ac:spMkLst>
-            <pc:docMk/>
-            <pc:sldMk cId="1998652720" sldId="259"/>
-            <ac:spMk id="3" creationId="{C17525B0-1295-31F6-4361-6125435858A5}"/>
-          </ac:spMkLst>
-        </pc:spChg>
-        <pc:spChg chg="add mod">
-          <ac:chgData name="수영 김" userId="78f2ecea5f65f696" providerId="LiveId" clId="{5725AB2F-871E-4B50-9AC9-36107E3A852E}" dt="2023-11-18T00:01:43.288" v="1379" actId="20577"/>
-          <ac:spMkLst>
-            <pc:docMk/>
-            <pc:sldMk cId="1998652720" sldId="259"/>
-            <ac:spMk id="4" creationId="{59C21EC5-D533-170E-8A2A-74CBBBFAFEFA}"/>
-          </ac:spMkLst>
-        </pc:spChg>
-        <pc:spChg chg="add del">
-          <ac:chgData name="수영 김" userId="78f2ecea5f65f696" providerId="LiveId" clId="{5725AB2F-871E-4B50-9AC9-36107E3A852E}" dt="2023-11-18T00:04:46.406" v="1384" actId="478"/>
-          <ac:spMkLst>
-            <pc:docMk/>
-            <pc:sldMk cId="1998652720" sldId="259"/>
-            <ac:spMk id="5" creationId="{CB543F65-2BC5-8D9C-C10A-913A7AA32A90}"/>
-          </ac:spMkLst>
-        </pc:spChg>
-        <pc:spChg chg="add mod">
-          <ac:chgData name="수영 김" userId="78f2ecea5f65f696" providerId="LiveId" clId="{5725AB2F-871E-4B50-9AC9-36107E3A852E}" dt="2023-11-18T00:18:50.407" v="1920" actId="1076"/>
-          <ac:spMkLst>
-            <pc:docMk/>
-            <pc:sldMk cId="1998652720" sldId="259"/>
-            <ac:spMk id="6" creationId="{EA8C0422-FFF9-2D0A-17A4-E26A2856EDE6}"/>
-          </ac:spMkLst>
-        </pc:spChg>
-        <pc:spChg chg="add mod">
-          <ac:chgData name="수영 김" userId="78f2ecea5f65f696" providerId="LiveId" clId="{5725AB2F-871E-4B50-9AC9-36107E3A852E}" dt="2023-11-22T05:23:45.907" v="2586" actId="255"/>
-          <ac:spMkLst>
-            <pc:docMk/>
-            <pc:sldMk cId="1998652720" sldId="259"/>
-            <ac:spMk id="7" creationId="{8AD836AD-E76F-3DAA-2346-0DD6818C1866}"/>
-          </ac:spMkLst>
-        </pc:spChg>
-        <pc:spChg chg="add del mod">
-          <ac:chgData name="수영 김" userId="78f2ecea5f65f696" providerId="LiveId" clId="{5725AB2F-871E-4B50-9AC9-36107E3A852E}" dt="2023-11-18T00:09:21.529" v="1602" actId="478"/>
-          <ac:spMkLst>
-            <pc:docMk/>
-            <pc:sldMk cId="1998652720" sldId="259"/>
-            <ac:spMk id="8" creationId="{B6464DF6-DAEC-FAD6-542F-C7D2AB1D480D}"/>
-          </ac:spMkLst>
-        </pc:spChg>
-        <pc:spChg chg="add del mod">
-          <ac:chgData name="수영 김" userId="78f2ecea5f65f696" providerId="LiveId" clId="{5725AB2F-871E-4B50-9AC9-36107E3A852E}" dt="2023-11-18T00:09:22.732" v="1605" actId="478"/>
-          <ac:spMkLst>
-            <pc:docMk/>
-            <pc:sldMk cId="1998652720" sldId="259"/>
-            <ac:spMk id="9" creationId="{A38C9893-2429-DAFA-19B5-60C905CA8AE9}"/>
-          </ac:spMkLst>
-        </pc:spChg>
-        <pc:spChg chg="add del mod">
-          <ac:chgData name="수영 김" userId="78f2ecea5f65f696" providerId="LiveId" clId="{5725AB2F-871E-4B50-9AC9-36107E3A852E}" dt="2023-11-18T00:09:22.342" v="1604" actId="478"/>
-          <ac:spMkLst>
-            <pc:docMk/>
-            <pc:sldMk cId="1998652720" sldId="259"/>
-            <ac:spMk id="10" creationId="{A3FA928E-0C75-4FC7-F8F8-6976827637CB}"/>
-          </ac:spMkLst>
-        </pc:spChg>
-        <pc:spChg chg="add del mod">
-          <ac:chgData name="수영 김" userId="78f2ecea5f65f696" providerId="LiveId" clId="{5725AB2F-871E-4B50-9AC9-36107E3A852E}" dt="2023-11-18T00:09:21.935" v="1603" actId="478"/>
-          <ac:spMkLst>
-            <pc:docMk/>
-            <pc:sldMk cId="1998652720" sldId="259"/>
-            <ac:spMk id="11" creationId="{ED143928-6288-2A15-EB31-AC7089095FCC}"/>
-          </ac:spMkLst>
-        </pc:spChg>
-        <pc:spChg chg="add mod">
-          <ac:chgData name="수영 김" userId="78f2ecea5f65f696" providerId="LiveId" clId="{5725AB2F-871E-4B50-9AC9-36107E3A852E}" dt="2023-11-22T05:24:06.836" v="2589" actId="255"/>
-          <ac:spMkLst>
-            <pc:docMk/>
-            <pc:sldMk cId="1998652720" sldId="259"/>
-            <ac:spMk id="12" creationId="{BBA4D3CD-FC8B-06E1-009B-E968D1EFD04B}"/>
-          </ac:spMkLst>
-        </pc:spChg>
-        <pc:spChg chg="add del mod">
-          <ac:chgData name="수영 김" userId="78f2ecea5f65f696" providerId="LiveId" clId="{5725AB2F-871E-4B50-9AC9-36107E3A852E}" dt="2023-11-22T05:25:14.717" v="2696" actId="20577"/>
-          <ac:spMkLst>
-            <pc:docMk/>
-            <pc:sldMk cId="1998652720" sldId="259"/>
-            <ac:spMk id="13" creationId="{32753857-5BAE-B444-4AF2-C6F2D4BB26F4}"/>
-          </ac:spMkLst>
-        </pc:spChg>
-        <pc:spChg chg="add del mod">
-          <ac:chgData name="수영 김" userId="78f2ecea5f65f696" providerId="LiveId" clId="{5725AB2F-871E-4B50-9AC9-36107E3A852E}" dt="2023-11-18T00:18:25.930" v="1886" actId="478"/>
-          <ac:spMkLst>
-            <pc:docMk/>
-            <pc:sldMk cId="1998652720" sldId="259"/>
-            <ac:spMk id="14" creationId="{568722EE-E044-CD92-B717-03ABC023C955}"/>
-          </ac:spMkLst>
-        </pc:spChg>
-        <pc:spChg chg="add mod">
-          <ac:chgData name="수영 김" userId="78f2ecea5f65f696" providerId="LiveId" clId="{5725AB2F-871E-4B50-9AC9-36107E3A852E}" dt="2023-11-22T05:26:02.389" v="2753" actId="20577"/>
-          <ac:spMkLst>
-            <pc:docMk/>
-            <pc:sldMk cId="1998652720" sldId="259"/>
-            <ac:spMk id="15" creationId="{EF96D8E4-5870-0313-C249-136E5A36C533}"/>
-          </ac:spMkLst>
-        </pc:spChg>
-        <pc:spChg chg="add mod">
-          <ac:chgData name="수영 김" userId="78f2ecea5f65f696" providerId="LiveId" clId="{5725AB2F-871E-4B50-9AC9-36107E3A852E}" dt="2023-11-22T05:24:17.309" v="2591" actId="255"/>
-          <ac:spMkLst>
-            <pc:docMk/>
-            <pc:sldMk cId="1998652720" sldId="259"/>
-            <ac:spMk id="16" creationId="{0CFE743F-8CAE-56B0-BF48-327420D26876}"/>
-          </ac:spMkLst>
-        </pc:spChg>
-        <pc:graphicFrameChg chg="add mod">
-          <ac:chgData name="수영 김" userId="78f2ecea5f65f696" providerId="LiveId" clId="{5725AB2F-871E-4B50-9AC9-36107E3A852E}" dt="2023-11-18T00:00:12.711" v="1333"/>
-          <ac:graphicFrameMkLst>
-            <pc:docMk/>
-            <pc:sldMk cId="1998652720" sldId="259"/>
-            <ac:graphicFrameMk id="2" creationId="{52653060-E9A8-07F4-3388-79A046F12B04}"/>
-          </ac:graphicFrameMkLst>
-        </pc:graphicFrameChg>
-      </pc:sldChg>
-      <pc:sldChg chg="addSp delSp modSp new mod">
-        <pc:chgData name="수영 김" userId="78f2ecea5f65f696" providerId="LiveId" clId="{5725AB2F-871E-4B50-9AC9-36107E3A852E}" dt="2023-11-22T05:32:25.007" v="3023" actId="20577"/>
-        <pc:sldMkLst>
-          <pc:docMk/>
-          <pc:sldMk cId="3001973577" sldId="260"/>
-        </pc:sldMkLst>
-        <pc:spChg chg="add mod">
-          <ac:chgData name="수영 김" userId="78f2ecea5f65f696" providerId="LiveId" clId="{5725AB2F-871E-4B50-9AC9-36107E3A852E}" dt="2023-11-22T05:32:25.007" v="3023" actId="20577"/>
-          <ac:spMkLst>
-            <pc:docMk/>
-            <pc:sldMk cId="3001973577" sldId="260"/>
-            <ac:spMk id="3" creationId="{E816D2F4-C256-75CF-151E-8413720AF826}"/>
-          </ac:spMkLst>
-        </pc:spChg>
-        <pc:spChg chg="add del mod">
-          <ac:chgData name="수영 김" userId="78f2ecea5f65f696" providerId="LiveId" clId="{5725AB2F-871E-4B50-9AC9-36107E3A852E}" dt="2023-11-18T09:29:08.020" v="2026"/>
-          <ac:spMkLst>
-            <pc:docMk/>
-            <pc:sldMk cId="3001973577" sldId="260"/>
-            <ac:spMk id="4" creationId="{3D60B782-1B26-9EA3-EE08-2B1A360BDD7A}"/>
-          </ac:spMkLst>
-        </pc:spChg>
-        <pc:graphicFrameChg chg="add mod modGraphic">
-          <ac:chgData name="수영 김" userId="78f2ecea5f65f696" providerId="LiveId" clId="{5725AB2F-871E-4B50-9AC9-36107E3A852E}" dt="2023-11-18T00:20:19.934" v="1989" actId="207"/>
-          <ac:graphicFrameMkLst>
-            <pc:docMk/>
-            <pc:sldMk cId="3001973577" sldId="260"/>
-            <ac:graphicFrameMk id="2" creationId="{6FD1545C-83F2-903E-96C1-1A69BF7F0D73}"/>
-          </ac:graphicFrameMkLst>
-        </pc:graphicFrameChg>
-        <pc:graphicFrameChg chg="mod modGraphic">
-          <ac:chgData name="수영 김" userId="78f2ecea5f65f696" providerId="LiveId" clId="{5725AB2F-871E-4B50-9AC9-36107E3A852E}" dt="2023-11-22T05:30:34.664" v="2983" actId="20577"/>
-          <ac:graphicFrameMkLst>
-            <pc:docMk/>
-            <pc:sldMk cId="3001973577" sldId="260"/>
-            <ac:graphicFrameMk id="4" creationId="{E62EA10F-8F08-7FC9-4531-34D1E015219E}"/>
-          </ac:graphicFrameMkLst>
-        </pc:graphicFrameChg>
-        <pc:graphicFrameChg chg="add mod modGraphic">
-          <ac:chgData name="수영 김" userId="78f2ecea5f65f696" providerId="LiveId" clId="{5725AB2F-871E-4B50-9AC9-36107E3A852E}" dt="2023-11-22T05:31:06.871" v="3000"/>
-          <ac:graphicFrameMkLst>
-            <pc:docMk/>
-            <pc:sldMk cId="3001973577" sldId="260"/>
-            <ac:graphicFrameMk id="5" creationId="{8A2CDFC6-D7F5-F83F-3C11-7F6A3BBFFE24}"/>
-          </ac:graphicFrameMkLst>
-        </pc:graphicFrameChg>
-        <pc:picChg chg="add mod">
-          <ac:chgData name="수영 김" userId="78f2ecea5f65f696" providerId="LiveId" clId="{5725AB2F-871E-4B50-9AC9-36107E3A852E}" dt="2023-11-18T00:22:51.922" v="2022" actId="1076"/>
-          <ac:picMkLst>
-            <pc:docMk/>
-            <pc:sldMk cId="3001973577" sldId="260"/>
-            <ac:picMk id="3074" creationId="{761AF761-BF11-DF2D-C14B-1A97E18D8128}"/>
-          </ac:picMkLst>
-        </pc:picChg>
-        <pc:picChg chg="add mod">
-          <ac:chgData name="수영 김" userId="78f2ecea5f65f696" providerId="LiveId" clId="{5725AB2F-871E-4B50-9AC9-36107E3A852E}" dt="2023-11-18T00:22:48.251" v="2021" actId="14100"/>
-          <ac:picMkLst>
-            <pc:docMk/>
-            <pc:sldMk cId="3001973577" sldId="260"/>
-            <ac:picMk id="3076" creationId="{AB3A721F-FD80-AFCE-323B-CF5EEF0C5033}"/>
-          </ac:picMkLst>
-        </pc:picChg>
-      </pc:sldChg>
-      <pc:sldChg chg="addSp modSp new mod">
-        <pc:chgData name="수영 김" userId="78f2ecea5f65f696" providerId="LiveId" clId="{5725AB2F-871E-4B50-9AC9-36107E3A852E}" dt="2023-11-22T05:32:30.876" v="3049" actId="20577"/>
-        <pc:sldMkLst>
-          <pc:docMk/>
-          <pc:sldMk cId="3007536971" sldId="261"/>
-        </pc:sldMkLst>
-        <pc:spChg chg="add mod">
-          <ac:chgData name="수영 김" userId="78f2ecea5f65f696" providerId="LiveId" clId="{5725AB2F-871E-4B50-9AC9-36107E3A852E}" dt="2023-11-22T05:32:30.876" v="3049" actId="20577"/>
-          <ac:spMkLst>
-            <pc:docMk/>
-            <pc:sldMk cId="3007536971" sldId="261"/>
-            <ac:spMk id="3" creationId="{981ED9ED-2CAF-2F42-2A9C-FAB3BB528C4A}"/>
-          </ac:spMkLst>
-        </pc:spChg>
-        <pc:graphicFrameChg chg="add mod">
-          <ac:chgData name="수영 김" userId="78f2ecea5f65f696" providerId="LiveId" clId="{5725AB2F-871E-4B50-9AC9-36107E3A852E}" dt="2023-11-22T05:27:04.813" v="2826"/>
-          <ac:graphicFrameMkLst>
-            <pc:docMk/>
-            <pc:sldMk cId="3007536971" sldId="261"/>
-            <ac:graphicFrameMk id="2" creationId="{51EEA891-DF50-32CA-F4A6-B08AF4BEC259}"/>
-          </ac:graphicFrameMkLst>
-        </pc:graphicFrameChg>
-      </pc:sldChg>
-      <pc:sldMasterChg chg="del delSldLayout">
-        <pc:chgData name="수영 김" userId="78f2ecea5f65f696" providerId="LiveId" clId="{5725AB2F-871E-4B50-9AC9-36107E3A852E}" dt="2023-11-17T23:07:56.226" v="139" actId="26606"/>
-        <pc:sldMasterMkLst>
-          <pc:docMk/>
-          <pc:sldMasterMk cId="556172397" sldId="2147483648"/>
-        </pc:sldMasterMkLst>
-        <pc:sldLayoutChg chg="del">
-          <pc:chgData name="수영 김" userId="78f2ecea5f65f696" providerId="LiveId" clId="{5725AB2F-871E-4B50-9AC9-36107E3A852E}" dt="2023-11-17T23:07:56.226" v="139" actId="26606"/>
-          <pc:sldLayoutMkLst>
-            <pc:docMk/>
-            <pc:sldMasterMk cId="556172397" sldId="2147483648"/>
-            <pc:sldLayoutMk cId="1016349891" sldId="2147483649"/>
-          </pc:sldLayoutMkLst>
-        </pc:sldLayoutChg>
-        <pc:sldLayoutChg chg="del">
-          <pc:chgData name="수영 김" userId="78f2ecea5f65f696" providerId="LiveId" clId="{5725AB2F-871E-4B50-9AC9-36107E3A852E}" dt="2023-11-17T23:07:56.226" v="139" actId="26606"/>
-          <pc:sldLayoutMkLst>
-            <pc:docMk/>
-            <pc:sldMasterMk cId="556172397" sldId="2147483648"/>
-            <pc:sldLayoutMk cId="1894188121" sldId="2147483650"/>
-          </pc:sldLayoutMkLst>
-        </pc:sldLayoutChg>
-        <pc:sldLayoutChg chg="del">
-          <pc:chgData name="수영 김" userId="78f2ecea5f65f696" providerId="LiveId" clId="{5725AB2F-871E-4B50-9AC9-36107E3A852E}" dt="2023-11-17T23:07:56.226" v="139" actId="26606"/>
-          <pc:sldLayoutMkLst>
-            <pc:docMk/>
-            <pc:sldMasterMk cId="556172397" sldId="2147483648"/>
-            <pc:sldLayoutMk cId="3061078396" sldId="2147483651"/>
-          </pc:sldLayoutMkLst>
-        </pc:sldLayoutChg>
-        <pc:sldLayoutChg chg="del">
-          <pc:chgData name="수영 김" userId="78f2ecea5f65f696" providerId="LiveId" clId="{5725AB2F-871E-4B50-9AC9-36107E3A852E}" dt="2023-11-17T23:07:56.226" v="139" actId="26606"/>
-          <pc:sldLayoutMkLst>
-            <pc:docMk/>
-            <pc:sldMasterMk cId="556172397" sldId="2147483648"/>
-            <pc:sldLayoutMk cId="1867119611" sldId="2147483652"/>
-          </pc:sldLayoutMkLst>
-        </pc:sldLayoutChg>
-        <pc:sldLayoutChg chg="del">
-          <pc:chgData name="수영 김" userId="78f2ecea5f65f696" providerId="LiveId" clId="{5725AB2F-871E-4B50-9AC9-36107E3A852E}" dt="2023-11-17T23:07:56.226" v="139" actId="26606"/>
-          <pc:sldLayoutMkLst>
-            <pc:docMk/>
-            <pc:sldMasterMk cId="556172397" sldId="2147483648"/>
-            <pc:sldLayoutMk cId="3223786706" sldId="2147483653"/>
-          </pc:sldLayoutMkLst>
-        </pc:sldLayoutChg>
-        <pc:sldLayoutChg chg="del">
-          <pc:chgData name="수영 김" userId="78f2ecea5f65f696" providerId="LiveId" clId="{5725AB2F-871E-4B50-9AC9-36107E3A852E}" dt="2023-11-17T23:07:56.226" v="139" actId="26606"/>
-          <pc:sldLayoutMkLst>
-            <pc:docMk/>
-            <pc:sldMasterMk cId="556172397" sldId="2147483648"/>
-            <pc:sldLayoutMk cId="3792286273" sldId="2147483654"/>
-          </pc:sldLayoutMkLst>
-        </pc:sldLayoutChg>
-        <pc:sldLayoutChg chg="del">
-          <pc:chgData name="수영 김" userId="78f2ecea5f65f696" providerId="LiveId" clId="{5725AB2F-871E-4B50-9AC9-36107E3A852E}" dt="2023-11-17T23:07:56.226" v="139" actId="26606"/>
-          <pc:sldLayoutMkLst>
-            <pc:docMk/>
-            <pc:sldMasterMk cId="556172397" sldId="2147483648"/>
-            <pc:sldLayoutMk cId="795831932" sldId="2147483655"/>
-          </pc:sldLayoutMkLst>
-        </pc:sldLayoutChg>
-        <pc:sldLayoutChg chg="del">
-          <pc:chgData name="수영 김" userId="78f2ecea5f65f696" providerId="LiveId" clId="{5725AB2F-871E-4B50-9AC9-36107E3A852E}" dt="2023-11-17T23:07:56.226" v="139" actId="26606"/>
-          <pc:sldLayoutMkLst>
-            <pc:docMk/>
-            <pc:sldMasterMk cId="556172397" sldId="2147483648"/>
-            <pc:sldLayoutMk cId="3881834234" sldId="2147483656"/>
-          </pc:sldLayoutMkLst>
-        </pc:sldLayoutChg>
-        <pc:sldLayoutChg chg="del">
-          <pc:chgData name="수영 김" userId="78f2ecea5f65f696" providerId="LiveId" clId="{5725AB2F-871E-4B50-9AC9-36107E3A852E}" dt="2023-11-17T23:07:56.226" v="139" actId="26606"/>
-          <pc:sldLayoutMkLst>
-            <pc:docMk/>
-            <pc:sldMasterMk cId="556172397" sldId="2147483648"/>
-            <pc:sldLayoutMk cId="2168328822" sldId="2147483657"/>
-          </pc:sldLayoutMkLst>
-        </pc:sldLayoutChg>
-        <pc:sldLayoutChg chg="del">
-          <pc:chgData name="수영 김" userId="78f2ecea5f65f696" providerId="LiveId" clId="{5725AB2F-871E-4B50-9AC9-36107E3A852E}" dt="2023-11-17T23:07:56.226" v="139" actId="26606"/>
-          <pc:sldLayoutMkLst>
-            <pc:docMk/>
-            <pc:sldMasterMk cId="556172397" sldId="2147483648"/>
-            <pc:sldLayoutMk cId="2641796319" sldId="2147483658"/>
-          </pc:sldLayoutMkLst>
-        </pc:sldLayoutChg>
-        <pc:sldLayoutChg chg="del">
-          <pc:chgData name="수영 김" userId="78f2ecea5f65f696" providerId="LiveId" clId="{5725AB2F-871E-4B50-9AC9-36107E3A852E}" dt="2023-11-17T23:07:56.226" v="139" actId="26606"/>
-          <pc:sldLayoutMkLst>
-            <pc:docMk/>
-            <pc:sldMasterMk cId="556172397" sldId="2147483648"/>
-            <pc:sldLayoutMk cId="1228048569" sldId="2147483659"/>
-          </pc:sldLayoutMkLst>
-        </pc:sldLayoutChg>
-      </pc:sldMasterChg>
-      <pc:sldMasterChg chg="add replId addSldLayout">
-        <pc:chgData name="수영 김" userId="78f2ecea5f65f696" providerId="LiveId" clId="{5725AB2F-871E-4B50-9AC9-36107E3A852E}" dt="2023-11-17T23:07:56.226" v="139" actId="26606"/>
-        <pc:sldMasterMkLst>
-          <pc:docMk/>
-          <pc:sldMasterMk cId="3418867819" sldId="2147483660"/>
-        </pc:sldMasterMkLst>
-        <pc:sldLayoutChg chg="add">
-          <pc:chgData name="수영 김" userId="78f2ecea5f65f696" providerId="LiveId" clId="{5725AB2F-871E-4B50-9AC9-36107E3A852E}" dt="2023-11-17T23:07:56.226" v="139" actId="26606"/>
-          <pc:sldLayoutMkLst>
-            <pc:docMk/>
-            <pc:sldMasterMk cId="3418867819" sldId="2147483660"/>
-            <pc:sldLayoutMk cId="985105451" sldId="2147483661"/>
-          </pc:sldLayoutMkLst>
-        </pc:sldLayoutChg>
-        <pc:sldLayoutChg chg="add replId">
-          <pc:chgData name="수영 김" userId="78f2ecea5f65f696" providerId="LiveId" clId="{5725AB2F-871E-4B50-9AC9-36107E3A852E}" dt="2023-11-17T23:07:56.226" v="139" actId="26606"/>
-          <pc:sldLayoutMkLst>
-            <pc:docMk/>
-            <pc:sldMasterMk cId="3418867819" sldId="2147483660"/>
-            <pc:sldLayoutMk cId="4074596456" sldId="2147483662"/>
-          </pc:sldLayoutMkLst>
-        </pc:sldLayoutChg>
-        <pc:sldLayoutChg chg="add replId">
-          <pc:chgData name="수영 김" userId="78f2ecea5f65f696" providerId="LiveId" clId="{5725AB2F-871E-4B50-9AC9-36107E3A852E}" dt="2023-11-17T23:07:56.226" v="139" actId="26606"/>
-          <pc:sldLayoutMkLst>
-            <pc:docMk/>
-            <pc:sldMasterMk cId="3418867819" sldId="2147483660"/>
-            <pc:sldLayoutMk cId="785826704" sldId="2147483663"/>
-          </pc:sldLayoutMkLst>
-        </pc:sldLayoutChg>
-        <pc:sldLayoutChg chg="add replId">
-          <pc:chgData name="수영 김" userId="78f2ecea5f65f696" providerId="LiveId" clId="{5725AB2F-871E-4B50-9AC9-36107E3A852E}" dt="2023-11-17T23:07:56.226" v="139" actId="26606"/>
-          <pc:sldLayoutMkLst>
-            <pc:docMk/>
-            <pc:sldMasterMk cId="3418867819" sldId="2147483660"/>
-            <pc:sldLayoutMk cId="4103974910" sldId="2147483664"/>
-          </pc:sldLayoutMkLst>
-        </pc:sldLayoutChg>
-        <pc:sldLayoutChg chg="add replId">
-          <pc:chgData name="수영 김" userId="78f2ecea5f65f696" providerId="LiveId" clId="{5725AB2F-871E-4B50-9AC9-36107E3A852E}" dt="2023-11-17T23:07:56.226" v="139" actId="26606"/>
-          <pc:sldLayoutMkLst>
-            <pc:docMk/>
-            <pc:sldMasterMk cId="3418867819" sldId="2147483660"/>
-            <pc:sldLayoutMk cId="961774740" sldId="2147483665"/>
-          </pc:sldLayoutMkLst>
-        </pc:sldLayoutChg>
-        <pc:sldLayoutChg chg="add replId">
-          <pc:chgData name="수영 김" userId="78f2ecea5f65f696" providerId="LiveId" clId="{5725AB2F-871E-4B50-9AC9-36107E3A852E}" dt="2023-11-17T23:07:56.226" v="139" actId="26606"/>
-          <pc:sldLayoutMkLst>
-            <pc:docMk/>
-            <pc:sldMasterMk cId="3418867819" sldId="2147483660"/>
-            <pc:sldLayoutMk cId="3714927984" sldId="2147483666"/>
-          </pc:sldLayoutMkLst>
-        </pc:sldLayoutChg>
-        <pc:sldLayoutChg chg="add replId">
-          <pc:chgData name="수영 김" userId="78f2ecea5f65f696" providerId="LiveId" clId="{5725AB2F-871E-4B50-9AC9-36107E3A852E}" dt="2023-11-17T23:07:56.226" v="139" actId="26606"/>
-          <pc:sldLayoutMkLst>
-            <pc:docMk/>
-            <pc:sldMasterMk cId="3418867819" sldId="2147483660"/>
-            <pc:sldLayoutMk cId="634228722" sldId="2147483667"/>
-          </pc:sldLayoutMkLst>
-        </pc:sldLayoutChg>
-        <pc:sldLayoutChg chg="add replId">
-          <pc:chgData name="수영 김" userId="78f2ecea5f65f696" providerId="LiveId" clId="{5725AB2F-871E-4B50-9AC9-36107E3A852E}" dt="2023-11-17T23:07:56.226" v="139" actId="26606"/>
-          <pc:sldLayoutMkLst>
-            <pc:docMk/>
-            <pc:sldMasterMk cId="3418867819" sldId="2147483660"/>
-            <pc:sldLayoutMk cId="3392198873" sldId="2147483668"/>
-          </pc:sldLayoutMkLst>
-        </pc:sldLayoutChg>
-        <pc:sldLayoutChg chg="add replId">
-          <pc:chgData name="수영 김" userId="78f2ecea5f65f696" providerId="LiveId" clId="{5725AB2F-871E-4B50-9AC9-36107E3A852E}" dt="2023-11-17T23:07:56.226" v="139" actId="26606"/>
-          <pc:sldLayoutMkLst>
-            <pc:docMk/>
-            <pc:sldMasterMk cId="3418867819" sldId="2147483660"/>
-            <pc:sldLayoutMk cId="3301707008" sldId="2147483669"/>
-          </pc:sldLayoutMkLst>
-        </pc:sldLayoutChg>
-        <pc:sldLayoutChg chg="add replId">
-          <pc:chgData name="수영 김" userId="78f2ecea5f65f696" providerId="LiveId" clId="{5725AB2F-871E-4B50-9AC9-36107E3A852E}" dt="2023-11-17T23:07:56.226" v="139" actId="26606"/>
-          <pc:sldLayoutMkLst>
-            <pc:docMk/>
-            <pc:sldMasterMk cId="3418867819" sldId="2147483660"/>
-            <pc:sldLayoutMk cId="877917064" sldId="2147483670"/>
-          </pc:sldLayoutMkLst>
-        </pc:sldLayoutChg>
-        <pc:sldLayoutChg chg="add replId">
-          <pc:chgData name="수영 김" userId="78f2ecea5f65f696" providerId="LiveId" clId="{5725AB2F-871E-4B50-9AC9-36107E3A852E}" dt="2023-11-17T23:07:56.226" v="139" actId="26606"/>
-          <pc:sldLayoutMkLst>
-            <pc:docMk/>
-            <pc:sldMasterMk cId="3418867819" sldId="2147483660"/>
-            <pc:sldLayoutMk cId="4245326172" sldId="2147483671"/>
-          </pc:sldLayoutMkLst>
-        </pc:sldLayoutChg>
-      </pc:sldMasterChg>
-    </pc:docChg>
-  </pc:docChgLst>
-  <pc:docChgLst>
-    <pc:chgData name="수영 김" userId="78f2ecea5f65f696" providerId="LiveId" clId="{88C44CD5-43FA-9D46-8480-E4918E0542F5}"/>
-    <pc:docChg chg="undo custSel modSld">
-      <pc:chgData name="수영 김" userId="78f2ecea5f65f696" providerId="LiveId" clId="{88C44CD5-43FA-9D46-8480-E4918E0542F5}" dt="2023-11-18T15:38:29.475" v="621" actId="20577"/>
-      <pc:docMkLst>
-        <pc:docMk/>
-      </pc:docMkLst>
-      <pc:sldChg chg="modSp mod">
-        <pc:chgData name="수영 김" userId="78f2ecea5f65f696" providerId="LiveId" clId="{88C44CD5-43FA-9D46-8480-E4918E0542F5}" dt="2023-11-18T15:35:46.869" v="258" actId="20577"/>
-        <pc:sldMkLst>
-          <pc:docMk/>
-          <pc:sldMk cId="1998652720" sldId="259"/>
-        </pc:sldMkLst>
-        <pc:spChg chg="mod">
-          <ac:chgData name="수영 김" userId="78f2ecea5f65f696" providerId="LiveId" clId="{88C44CD5-43FA-9D46-8480-E4918E0542F5}" dt="2023-11-18T15:35:18.976" v="61" actId="20577"/>
-          <ac:spMkLst>
-            <pc:docMk/>
-            <pc:sldMk cId="1998652720" sldId="259"/>
-            <ac:spMk id="12" creationId="{BBA4D3CD-FC8B-06E1-009B-E968D1EFD04B}"/>
-          </ac:spMkLst>
-        </pc:spChg>
-        <pc:spChg chg="mod">
-          <ac:chgData name="수영 김" userId="78f2ecea5f65f696" providerId="LiveId" clId="{88C44CD5-43FA-9D46-8480-E4918E0542F5}" dt="2023-11-18T15:35:38.607" v="196" actId="20577"/>
-          <ac:spMkLst>
-            <pc:docMk/>
-            <pc:sldMk cId="1998652720" sldId="259"/>
-            <ac:spMk id="13" creationId="{32753857-5BAE-B444-4AF2-C6F2D4BB26F4}"/>
-          </ac:spMkLst>
-        </pc:spChg>
-        <pc:spChg chg="mod">
-          <ac:chgData name="수영 김" userId="78f2ecea5f65f696" providerId="LiveId" clId="{88C44CD5-43FA-9D46-8480-E4918E0542F5}" dt="2023-11-18T15:35:46.869" v="258" actId="20577"/>
-          <ac:spMkLst>
-            <pc:docMk/>
-            <pc:sldMk cId="1998652720" sldId="259"/>
-            <ac:spMk id="15" creationId="{EF96D8E4-5870-0313-C249-136E5A36C533}"/>
-          </ac:spMkLst>
-        </pc:spChg>
-        <pc:spChg chg="mod">
-          <ac:chgData name="수영 김" userId="78f2ecea5f65f696" providerId="LiveId" clId="{88C44CD5-43FA-9D46-8480-E4918E0542F5}" dt="2023-11-18T15:35:27.297" v="112" actId="20577"/>
-          <ac:spMkLst>
-            <pc:docMk/>
-            <pc:sldMk cId="1998652720" sldId="259"/>
-            <ac:spMk id="16" creationId="{0CFE743F-8CAE-56B0-BF48-327420D26876}"/>
-          </ac:spMkLst>
-        </pc:spChg>
-      </pc:sldChg>
-      <pc:sldChg chg="addSp modSp mod">
-        <pc:chgData name="수영 김" userId="78f2ecea5f65f696" providerId="LiveId" clId="{88C44CD5-43FA-9D46-8480-E4918E0542F5}" dt="2023-11-18T15:38:29.475" v="621" actId="20577"/>
-        <pc:sldMkLst>
-          <pc:docMk/>
-          <pc:sldMk cId="3001973577" sldId="260"/>
-        </pc:sldMkLst>
-        <pc:graphicFrameChg chg="add mod modGraphic">
-          <ac:chgData name="수영 김" userId="78f2ecea5f65f696" providerId="LiveId" clId="{88C44CD5-43FA-9D46-8480-E4918E0542F5}" dt="2023-11-18T15:38:29.475" v="621" actId="20577"/>
-          <ac:graphicFrameMkLst>
-            <pc:docMk/>
-            <pc:sldMk cId="3001973577" sldId="260"/>
-            <ac:graphicFrameMk id="4" creationId="{E62EA10F-8F08-7FC9-4531-34D1E015219E}"/>
-          </ac:graphicFrameMkLst>
-        </pc:graphicFrameChg>
-        <pc:graphicFrameChg chg="mod modGraphic">
-          <ac:chgData name="수영 김" userId="78f2ecea5f65f696" providerId="LiveId" clId="{88C44CD5-43FA-9D46-8480-E4918E0542F5}" dt="2023-11-18T15:36:43.160" v="397" actId="1076"/>
-          <ac:graphicFrameMkLst>
-            <pc:docMk/>
-            <pc:sldMk cId="3001973577" sldId="260"/>
-            <ac:graphicFrameMk id="5" creationId="{8A2CDFC6-D7F5-F83F-3C11-7F6A3BBFFE24}"/>
-          </ac:graphicFrameMkLst>
-        </pc:graphicFrameChg>
-        <pc:picChg chg="mod">
-          <ac:chgData name="수영 김" userId="78f2ecea5f65f696" providerId="LiveId" clId="{88C44CD5-43FA-9D46-8480-E4918E0542F5}" dt="2023-11-18T15:36:55.589" v="400" actId="1076"/>
-          <ac:picMkLst>
-            <pc:docMk/>
-            <pc:sldMk cId="3001973577" sldId="260"/>
-            <ac:picMk id="3074" creationId="{761AF761-BF11-DF2D-C14B-1A97E18D8128}"/>
-          </ac:picMkLst>
-        </pc:picChg>
-        <pc:picChg chg="mod">
-          <ac:chgData name="수영 김" userId="78f2ecea5f65f696" providerId="LiveId" clId="{88C44CD5-43FA-9D46-8480-E4918E0542F5}" dt="2023-11-18T15:36:55.589" v="400" actId="1076"/>
-          <ac:picMkLst>
-            <pc:docMk/>
-            <pc:sldMk cId="3001973577" sldId="260"/>
-            <ac:picMk id="3076" creationId="{AB3A721F-FD80-AFCE-323B-CF5EEF0C5033}"/>
-          </ac:picMkLst>
-        </pc:picChg>
-      </pc:sldChg>
-    </pc:docChg>
-  </pc:docChgLst>
-</pc:chgInfo>
 </file>
 
 <file path=ppt/slideLayouts/slideLayout1.xml><?xml version="1.0" encoding="utf-8"?>
@@ -12435,7 +11594,7 @@
 </file>
 
 <file path=ppt/slides/slide14.xml><?xml version="1.0" encoding="utf-8"?>
-<p:sld xmlns:a="http://schemas.openxmlformats.org/drawingml/2006/main" xmlns:r="http://schemas.openxmlformats.org/officeDocument/2006/relationships" xmlns:p="http://schemas.openxmlformats.org/presentationml/2006/main">
+<p:sld xmlns:r="http://schemas.openxmlformats.org/officeDocument/2006/relationships" xmlns:c="http://schemas.openxmlformats.org/drawingml/2006/chart" xmlns:a="http://schemas.openxmlformats.org/drawingml/2006/main" xmlns:dgm="http://schemas.openxmlformats.org/drawingml/2006/diagram" xmlns:dsp="http://schemas.microsoft.com/office/drawing/2008/diagram" xmlns:p="http://schemas.openxmlformats.org/presentationml/2006/main">
   <p:cSld>
     <p:spTree>
       <p:nvGrpSpPr>
@@ -12453,19 +11612,13 @@
       </p:grpSpPr>
       <p:pic>
         <p:nvPicPr>
-          <p:cNvPr id="6" name="그림 5">
-            <a:extLst>
-              <a:ext uri="{FF2B5EF4-FFF2-40B4-BE49-F238E27FC236}">
-                <a16:creationId xmlns:a16="http://schemas.microsoft.com/office/drawing/2014/main" id="{343F1B4A-3F05-88D8-2595-A2D7E4CBC2BA}"/>
-              </a:ext>
-            </a:extLst>
-          </p:cNvPr>
+          <p:cNvPr id="6" name="그림 5"/>
           <p:cNvPicPr>
             <a:picLocks noChangeAspect="1"/>
           </p:cNvPicPr>
           <p:nvPr/>
         </p:nvPicPr>
-        <p:blipFill>
+        <p:blipFill rotWithShape="1">
           <a:blip r:embed="rId2"/>
           <a:stretch>
             <a:fillRect/>
@@ -12483,13 +11636,7 @@
       </p:pic>
       <p:graphicFrame>
         <p:nvGraphicFramePr>
-          <p:cNvPr id="7" name="표 6">
-            <a:extLst>
-              <a:ext uri="{FF2B5EF4-FFF2-40B4-BE49-F238E27FC236}">
-                <a16:creationId xmlns:a16="http://schemas.microsoft.com/office/drawing/2014/main" id="{562BF0F8-FE01-A584-8194-D7665DF3BD9A}"/>
-              </a:ext>
-            </a:extLst>
-          </p:cNvPr>
+          <p:cNvPr id="7" name="표 6"/>
           <p:cNvGraphicFramePr>
             <a:graphicFrameLocks noGrp="1"/>
           </p:cNvGraphicFramePr>
@@ -12497,7 +11644,7 @@
         </p:nvGraphicFramePr>
         <p:xfrm>
           <a:off x="0" y="0"/>
-          <a:ext cx="12192004" cy="365760"/>
+          <a:ext cx="12192004" cy="367665"/>
         </p:xfrm>
         <a:graphic>
           <a:graphicData uri="http://schemas.openxmlformats.org/drawingml/2006/table">
@@ -12506,46 +11653,23 @@
                 <a:tableStyleId>{5C22544A-7EE6-4342-B048-85BDC9FD1C3A}</a:tableStyleId>
               </a:tblPr>
               <a:tblGrid>
-                <a:gridCol w="3048001">
-                  <a:extLst>
-                    <a:ext uri="{9D8B030D-6E8A-4147-A177-3AD203B41FA5}">
-                      <a16:colId xmlns:a16="http://schemas.microsoft.com/office/drawing/2014/main" val="2897943366"/>
-                    </a:ext>
-                  </a:extLst>
-                </a:gridCol>
-                <a:gridCol w="3048001">
-                  <a:extLst>
-                    <a:ext uri="{9D8B030D-6E8A-4147-A177-3AD203B41FA5}">
-                      <a16:colId xmlns:a16="http://schemas.microsoft.com/office/drawing/2014/main" val="3476757448"/>
-                    </a:ext>
-                  </a:extLst>
-                </a:gridCol>
-                <a:gridCol w="3048001">
-                  <a:extLst>
-                    <a:ext uri="{9D8B030D-6E8A-4147-A177-3AD203B41FA5}">
-                      <a16:colId xmlns:a16="http://schemas.microsoft.com/office/drawing/2014/main" val="2093659269"/>
-                    </a:ext>
-                  </a:extLst>
-                </a:gridCol>
-                <a:gridCol w="3048001">
-                  <a:extLst>
-                    <a:ext uri="{9D8B030D-6E8A-4147-A177-3AD203B41FA5}">
-                      <a16:colId xmlns:a16="http://schemas.microsoft.com/office/drawing/2014/main" val="1447057663"/>
-                    </a:ext>
-                  </a:extLst>
-                </a:gridCol>
+                <a:gridCol w="3048001"/>
+                <a:gridCol w="3048001"/>
+                <a:gridCol w="3048001"/>
+                <a:gridCol w="3048001"/>
               </a:tblGrid>
               <a:tr h="243281">
                 <a:tc>
                   <a:txBody>
-                    <a:bodyPr/>
-                    <a:lstStyle/>
+                    <a:bodyPr vert="horz" lIns="91440" tIns="45720" rIns="91440" bIns="45720" anchor="t" anchorCtr="0"/>
                     <a:p>
-                      <a:pPr latinLnBrk="1"/>
-                      <a:endParaRPr lang="ko-KR" altLang="en-US" dirty="0"/>
+                      <a:pPr latinLnBrk="1">
+                        <a:defRPr/>
+                      </a:pPr>
+                      <a:endParaRPr lang="ko-KR" altLang="en-US"/>
                     </a:p>
                   </a:txBody>
-                  <a:tcPr>
+                  <a:tcPr marL="91440" marR="91440">
                     <a:lnL w="12700" cmpd="sng">
                       <a:noFill/>
                     </a:lnL>
@@ -12555,8 +11679,8 @@
                       </a:solidFill>
                       <a:prstDash val="solid"/>
                       <a:round/>
-                      <a:headEnd type="none" w="med" len="med"/>
-                      <a:tailEnd type="none" w="med" len="med"/>
+                      <a:headEnd w="med" len="med"/>
+                      <a:tailEnd w="med" len="med"/>
                     </a:lnR>
                     <a:lnT w="12700" cmpd="sng">
                       <a:noFill/>
@@ -12576,22 +11700,23 @@
                 </a:tc>
                 <a:tc>
                   <a:txBody>
-                    <a:bodyPr/>
-                    <a:lstStyle/>
+                    <a:bodyPr vert="horz" lIns="91440" tIns="45720" rIns="91440" bIns="45720" anchor="t" anchorCtr="0"/>
                     <a:p>
-                      <a:pPr latinLnBrk="1"/>
-                      <a:endParaRPr lang="ko-KR" altLang="en-US" dirty="0"/>
+                      <a:pPr latinLnBrk="1">
+                        <a:defRPr/>
+                      </a:pPr>
+                      <a:endParaRPr lang="ko-KR" altLang="en-US"/>
                     </a:p>
                   </a:txBody>
-                  <a:tcPr>
+                  <a:tcPr marL="91440" marR="91440">
                     <a:lnL w="28575" cap="flat" cmpd="sng" algn="ctr">
                       <a:solidFill>
                         <a:schemeClr val="bg1"/>
                       </a:solidFill>
                       <a:prstDash val="solid"/>
                       <a:round/>
-                      <a:headEnd type="none" w="med" len="med"/>
-                      <a:tailEnd type="none" w="med" len="med"/>
+                      <a:headEnd w="med" len="med"/>
+                      <a:tailEnd w="med" len="med"/>
                     </a:lnL>
                     <a:lnR w="28575" cap="flat" cmpd="sng" algn="ctr">
                       <a:solidFill>
@@ -12599,8 +11724,8 @@
                       </a:solidFill>
                       <a:prstDash val="solid"/>
                       <a:round/>
-                      <a:headEnd type="none" w="med" len="med"/>
-                      <a:tailEnd type="none" w="med" len="med"/>
+                      <a:headEnd w="med" len="med"/>
+                      <a:tailEnd w="med" len="med"/>
                     </a:lnR>
                     <a:lnT w="12700" cmpd="sng">
                       <a:noFill/>
@@ -12617,28 +11742,29 @@
                       <a:prstDash val="solid"/>
                     </a:lnBlToTr>
                     <a:solidFill>
-                      <a:srgbClr val="E4650E"/>
+                      <a:srgbClr val="e4650e"/>
                     </a:solidFill>
                   </a:tcPr>
                 </a:tc>
                 <a:tc>
                   <a:txBody>
-                    <a:bodyPr/>
-                    <a:lstStyle/>
+                    <a:bodyPr vert="horz" lIns="91440" tIns="45720" rIns="91440" bIns="45720" anchor="t" anchorCtr="0"/>
                     <a:p>
-                      <a:pPr latinLnBrk="1"/>
-                      <a:endParaRPr lang="ko-KR" altLang="en-US" dirty="0"/>
+                      <a:pPr latinLnBrk="1">
+                        <a:defRPr/>
+                      </a:pPr>
+                      <a:endParaRPr lang="ko-KR" altLang="en-US"/>
                     </a:p>
                   </a:txBody>
-                  <a:tcPr>
+                  <a:tcPr marL="91440" marR="91440">
                     <a:lnL w="28575" cap="flat" cmpd="sng" algn="ctr">
                       <a:solidFill>
                         <a:schemeClr val="bg1"/>
                       </a:solidFill>
                       <a:prstDash val="solid"/>
                       <a:round/>
-                      <a:headEnd type="none" w="med" len="med"/>
-                      <a:tailEnd type="none" w="med" len="med"/>
+                      <a:headEnd w="med" len="med"/>
+                      <a:tailEnd w="med" len="med"/>
                     </a:lnL>
                     <a:lnR w="28575" cap="flat" cmpd="sng" algn="ctr">
                       <a:solidFill>
@@ -12646,8 +11772,8 @@
                       </a:solidFill>
                       <a:prstDash val="solid"/>
                       <a:round/>
-                      <a:headEnd type="none" w="med" len="med"/>
-                      <a:tailEnd type="none" w="med" len="med"/>
+                      <a:headEnd w="med" len="med"/>
+                      <a:tailEnd w="med" len="med"/>
                     </a:lnR>
                     <a:lnT w="12700" cmpd="sng">
                       <a:noFill/>
@@ -12664,28 +11790,29 @@
                       <a:prstDash val="solid"/>
                     </a:lnBlToTr>
                     <a:solidFill>
-                      <a:srgbClr val="E4650E"/>
+                      <a:srgbClr val="e4650e"/>
                     </a:solidFill>
                   </a:tcPr>
                 </a:tc>
                 <a:tc>
                   <a:txBody>
-                    <a:bodyPr/>
-                    <a:lstStyle/>
+                    <a:bodyPr vert="horz" lIns="91440" tIns="45720" rIns="91440" bIns="45720" anchor="t" anchorCtr="0"/>
                     <a:p>
-                      <a:pPr latinLnBrk="1"/>
-                      <a:endParaRPr lang="ko-KR" altLang="en-US" dirty="0"/>
+                      <a:pPr latinLnBrk="1">
+                        <a:defRPr/>
+                      </a:pPr>
+                      <a:endParaRPr lang="ko-KR" altLang="en-US"/>
                     </a:p>
                   </a:txBody>
-                  <a:tcPr>
+                  <a:tcPr marL="91440" marR="91440">
                     <a:lnL w="28575" cap="flat" cmpd="sng" algn="ctr">
                       <a:solidFill>
                         <a:schemeClr val="bg1"/>
                       </a:solidFill>
                       <a:prstDash val="solid"/>
                       <a:round/>
-                      <a:headEnd type="none" w="med" len="med"/>
-                      <a:tailEnd type="none" w="med" len="med"/>
+                      <a:headEnd w="med" len="med"/>
+                      <a:tailEnd w="med" len="med"/>
                     </a:lnL>
                     <a:lnR w="12700" cmpd="sng">
                       <a:noFill/>
@@ -12711,11 +11838,6 @@
                     </a:solidFill>
                   </a:tcPr>
                 </a:tc>
-                <a:extLst>
-                  <a:ext uri="{0D108BD9-81ED-4DB2-BD59-A6C34878D82A}">
-                    <a16:rowId xmlns:a16="http://schemas.microsoft.com/office/drawing/2014/main" val="3765831902"/>
-                  </a:ext>
-                </a:extLst>
               </a:tr>
             </a:tbl>
           </a:graphicData>
@@ -12723,13 +11845,7 @@
       </p:graphicFrame>
       <p:sp>
         <p:nvSpPr>
-          <p:cNvPr id="14" name="TextBox 13">
-            <a:extLst>
-              <a:ext uri="{FF2B5EF4-FFF2-40B4-BE49-F238E27FC236}">
-                <a16:creationId xmlns:a16="http://schemas.microsoft.com/office/drawing/2014/main" id="{1A99E75A-D347-740E-3D7F-4B1102E209FA}"/>
-              </a:ext>
-            </a:extLst>
-          </p:cNvPr>
+          <p:cNvPr id="14" name="TextBox 13"/>
           <p:cNvSpPr txBox="1"/>
           <p:nvPr/>
         </p:nvSpPr>
@@ -12744,65 +11860,59 @@
           <a:noFill/>
         </p:spPr>
         <p:txBody>
-          <a:bodyPr wrap="square" rtlCol="0">
+          <a:bodyPr wrap="square">
             <a:spAutoFit/>
           </a:bodyPr>
           <a:lstStyle/>
           <a:p>
-            <a:r>
-              <a:rPr lang="ko-KR" altLang="en-US" sz="1200" b="1" dirty="0">
-                <a:latin typeface="G마켓 산스 TTF Medium" panose="02000000000000000000" pitchFamily="2" charset="-127"/>
-                <a:ea typeface="G마켓 산스 TTF Medium" panose="02000000000000000000" pitchFamily="2" charset="-127"/>
+            <a:pPr lvl="0">
+              <a:defRPr/>
+            </a:pPr>
+            <a:r>
+              <a:rPr lang="ko-KR" altLang="en-US" sz="1200" b="1">
+                <a:latin typeface="G마켓 산스 TTF Medium"/>
+                <a:ea typeface="G마켓 산스 TTF Medium"/>
               </a:rPr>
               <a:t>▶</a:t>
             </a:r>
             <a:r>
-              <a:rPr lang="en-US" altLang="ko-KR" sz="1200" b="1" dirty="0" err="1">
-                <a:latin typeface="G마켓 산스 TTF Medium" panose="02000000000000000000" pitchFamily="2" charset="-127"/>
-                <a:ea typeface="G마켓 산스 TTF Medium" panose="02000000000000000000" pitchFamily="2" charset="-127"/>
-              </a:rPr>
-              <a:t>ServerThread</a:t>
-            </a:r>
-            <a:r>
-              <a:rPr lang="en-US" altLang="ko-KR" sz="1200" b="1" dirty="0">
-                <a:latin typeface="G마켓 산스 TTF Medium" panose="02000000000000000000" pitchFamily="2" charset="-127"/>
-                <a:ea typeface="G마켓 산스 TTF Medium" panose="02000000000000000000" pitchFamily="2" charset="-127"/>
-              </a:rPr>
-              <a:t> </a:t>
-            </a:r>
-            <a:r>
-              <a:rPr lang="ko-KR" altLang="en-US" sz="1200" b="1" dirty="0">
-                <a:latin typeface="G마켓 산스 TTF Medium" panose="02000000000000000000" pitchFamily="2" charset="-127"/>
-                <a:ea typeface="G마켓 산스 TTF Medium" panose="02000000000000000000" pitchFamily="2" charset="-127"/>
+              <a:rPr lang="en-US" altLang="ko-KR" sz="1200" b="1">
+                <a:latin typeface="G마켓 산스 TTF Medium"/>
+                <a:ea typeface="G마켓 산스 TTF Medium"/>
+              </a:rPr>
+              <a:t>ServerThread </a:t>
+            </a:r>
+            <a:r>
+              <a:rPr lang="ko-KR" altLang="en-US" sz="1200" b="1">
+                <a:latin typeface="G마켓 산스 TTF Medium"/>
+                <a:ea typeface="G마켓 산스 TTF Medium"/>
               </a:rPr>
               <a:t>클래스 </a:t>
             </a:r>
             <a:r>
-              <a:rPr lang="en-US" altLang="ko-KR" sz="1200" b="1" dirty="0">
-                <a:latin typeface="G마켓 산스 TTF Medium" panose="02000000000000000000" pitchFamily="2" charset="-127"/>
-                <a:ea typeface="G마켓 산스 TTF Medium" panose="02000000000000000000" pitchFamily="2" charset="-127"/>
+              <a:rPr lang="en-US" altLang="ko-KR" sz="1200" b="1">
+                <a:latin typeface="G마켓 산스 TTF Medium"/>
+                <a:ea typeface="G마켓 산스 TTF Medium"/>
               </a:rPr>
               <a:t>– </a:t>
             </a:r>
             <a:r>
-              <a:rPr lang="ko-KR" altLang="en-US" sz="1200" b="1" dirty="0">
-                <a:latin typeface="G마켓 산스 TTF Medium" panose="02000000000000000000" pitchFamily="2" charset="-127"/>
-                <a:ea typeface="G마켓 산스 TTF Medium" panose="02000000000000000000" pitchFamily="2" charset="-127"/>
+              <a:rPr lang="ko-KR" altLang="en-US" sz="1200" b="1">
+                <a:latin typeface="G마켓 산스 TTF Medium"/>
+                <a:ea typeface="G마켓 산스 TTF Medium"/>
               </a:rPr>
               <a:t>대화내용 출력하기 전 이전 대화내용 불러오기 </a:t>
             </a:r>
+            <a:endParaRPr lang="ko-KR" altLang="en-US" sz="1200" b="1">
+              <a:latin typeface="G마켓 산스 TTF Medium"/>
+              <a:ea typeface="G마켓 산스 TTF Medium"/>
+            </a:endParaRPr>
           </a:p>
         </p:txBody>
       </p:sp>
       <p:sp>
         <p:nvSpPr>
-          <p:cNvPr id="16" name="직사각형 15">
-            <a:extLst>
-              <a:ext uri="{FF2B5EF4-FFF2-40B4-BE49-F238E27FC236}">
-                <a16:creationId xmlns:a16="http://schemas.microsoft.com/office/drawing/2014/main" id="{A861B851-5995-AB7D-650E-61D9BACC8952}"/>
-              </a:ext>
-            </a:extLst>
-          </p:cNvPr>
+          <p:cNvPr id="16" name="직사각형 15"/>
           <p:cNvSpPr/>
           <p:nvPr/>
         </p:nvSpPr>
@@ -12817,7 +11927,7 @@
           <a:noFill/>
           <a:ln w="38100">
             <a:solidFill>
-              <a:srgbClr val="FF0000"/>
+              <a:srgbClr val="ff0000"/>
             </a:solidFill>
           </a:ln>
         </p:spPr>
@@ -12838,13 +11948,15 @@
           </a:fontRef>
         </p:style>
         <p:txBody>
-          <a:bodyPr rtlCol="0" anchor="ctr"/>
+          <a:bodyPr anchor="ctr"/>
           <a:lstStyle/>
           <a:p>
-            <a:pPr algn="ctr"/>
+            <a:pPr algn="ctr">
+              <a:defRPr/>
+            </a:pPr>
             <a:endParaRPr lang="ko-KR" altLang="en-US">
               <a:solidFill>
-                <a:srgbClr val="FF0000"/>
+                <a:srgbClr val="ff0000"/>
               </a:solidFill>
             </a:endParaRPr>
           </a:p>
@@ -12852,18 +11964,12 @@
       </p:sp>
       <p:grpSp>
         <p:nvGrpSpPr>
-          <p:cNvPr id="2" name="그룹 1">
-            <a:extLst>
-              <a:ext uri="{FF2B5EF4-FFF2-40B4-BE49-F238E27FC236}">
-                <a16:creationId xmlns:a16="http://schemas.microsoft.com/office/drawing/2014/main" id="{C154C256-9BC0-282E-A168-0EE55C018AAE}"/>
-              </a:ext>
-            </a:extLst>
-          </p:cNvPr>
+          <p:cNvPr id="2" name="그룹 1"/>
           <p:cNvGrpSpPr/>
           <p:nvPr/>
         </p:nvGrpSpPr>
         <p:grpSpPr>
-          <a:xfrm>
+          <a:xfrm rot="0">
             <a:off x="84479" y="505309"/>
             <a:ext cx="7062045" cy="653798"/>
             <a:chOff x="84479" y="505309"/>
@@ -12872,13 +11978,7 @@
         </p:grpSpPr>
         <p:sp>
           <p:nvSpPr>
-            <p:cNvPr id="3" name="직사각형 2">
-              <a:extLst>
-                <a:ext uri="{FF2B5EF4-FFF2-40B4-BE49-F238E27FC236}">
-                  <a16:creationId xmlns:a16="http://schemas.microsoft.com/office/drawing/2014/main" id="{8F4A08A7-2668-9722-8284-71FD37C72050}"/>
-                </a:ext>
-              </a:extLst>
-            </p:cNvPr>
+            <p:cNvPr id="3" name="직사각형 2"/>
             <p:cNvSpPr/>
             <p:nvPr/>
           </p:nvSpPr>
@@ -12919,23 +12019,19 @@
             </a:fontRef>
           </p:style>
           <p:txBody>
-            <a:bodyPr rtlCol="0" anchor="ctr"/>
+            <a:bodyPr anchor="ctr"/>
             <a:lstStyle/>
             <a:p>
-              <a:pPr algn="ctr"/>
+              <a:pPr algn="ctr">
+                <a:defRPr/>
+              </a:pPr>
               <a:endParaRPr lang="ko-KR" altLang="en-US"/>
             </a:p>
           </p:txBody>
         </p:sp>
         <p:sp>
           <p:nvSpPr>
-            <p:cNvPr id="4" name="TextBox 3">
-              <a:extLst>
-                <a:ext uri="{FF2B5EF4-FFF2-40B4-BE49-F238E27FC236}">
-                  <a16:creationId xmlns:a16="http://schemas.microsoft.com/office/drawing/2014/main" id="{1506B2EF-A6DE-CD3A-99FC-FE5B6A0C1F94}"/>
-                </a:ext>
-              </a:extLst>
-            </p:cNvPr>
+            <p:cNvPr id="4" name="TextBox 3"/>
             <p:cNvSpPr txBox="1"/>
             <p:nvPr/>
           </p:nvSpPr>
@@ -12950,101 +12046,108 @@
             <a:noFill/>
           </p:spPr>
           <p:txBody>
-            <a:bodyPr wrap="square" rtlCol="0">
+            <a:bodyPr wrap="square">
               <a:spAutoFit/>
             </a:bodyPr>
             <a:lstStyle/>
             <a:p>
+              <a:pPr lvl="0">
+                <a:defRPr/>
+              </a:pPr>
               <a:r>
-                <a:rPr lang="ko-KR" altLang="en-US" sz="1800" b="0" i="0" u="none" strike="noStrike" kern="1200" dirty="0">
+                <a:rPr lang="ko-KR" altLang="en-US" sz="1800" b="0" i="0" u="none" strike="noStrike" kern="1200">
                   <a:solidFill>
                     <a:srgbClr val="000000"/>
                   </a:solidFill>
                   <a:effectLst/>
-                  <a:latin typeface="Noto Sans CJK KR Bold" panose="020B0800000000000000"/>
-                  <a:ea typeface="Noto Sans CJK KR Bold" panose="020B0800000000000000"/>
+                  <a:latin typeface="Noto Sans CJK KR Bold"/>
+                  <a:ea typeface="Noto Sans CJK KR Bold"/>
                 </a:rPr>
                 <a:t> </a:t>
               </a:r>
               <a:r>
-                <a:rPr lang="en-US" altLang="ko-KR" sz="1800" b="0" i="0" u="none" strike="noStrike" kern="1200" dirty="0">
+                <a:rPr lang="en-US" altLang="ko-KR" sz="1800" b="0" i="0" u="none" strike="noStrike" kern="1200">
                   <a:solidFill>
                     <a:srgbClr val="000000"/>
                   </a:solidFill>
                   <a:effectLst/>
-                  <a:latin typeface="Noto Sans CJK KR Bold" panose="020B0800000000000000"/>
-                  <a:ea typeface="Noto Sans CJK KR Bold" panose="020B0800000000000000"/>
+                  <a:latin typeface="Noto Sans CJK KR Bold"/>
+                  <a:ea typeface="Noto Sans CJK KR Bold"/>
                 </a:rPr>
                 <a:t>| 2. </a:t>
               </a:r>
               <a:r>
-                <a:rPr lang="ko-KR" altLang="en-US" dirty="0">
+                <a:rPr lang="ko-KR" altLang="en-US">
                   <a:solidFill>
                     <a:srgbClr val="000000"/>
                   </a:solidFill>
-                  <a:latin typeface="Noto Sans CJK KR Bold" panose="020B0800000000000000"/>
-                  <a:ea typeface="Noto Sans CJK KR Bold" panose="020B0800000000000000"/>
+                  <a:latin typeface="Noto Sans CJK KR Bold"/>
+                  <a:ea typeface="Noto Sans CJK KR Bold"/>
                 </a:rPr>
                 <a:t>프로그램 재실행시 </a:t>
               </a:r>
               <a:r>
-                <a:rPr lang="en-US" altLang="ko-KR" dirty="0">
+                <a:rPr lang="en-US" altLang="ko-KR">
                   <a:solidFill>
                     <a:srgbClr val="000000"/>
                   </a:solidFill>
-                  <a:latin typeface="Noto Sans CJK KR Bold" panose="020B0800000000000000"/>
-                  <a:ea typeface="Noto Sans CJK KR Bold" panose="020B0800000000000000"/>
+                  <a:latin typeface="Noto Sans CJK KR Bold"/>
+                  <a:ea typeface="Noto Sans CJK KR Bold"/>
                 </a:rPr>
                 <a:t>HashMap</a:t>
               </a:r>
               <a:r>
-                <a:rPr lang="ko-KR" altLang="en-US" dirty="0">
+                <a:rPr lang="ko-KR" altLang="en-US">
                   <a:solidFill>
                     <a:srgbClr val="000000"/>
                   </a:solidFill>
-                  <a:latin typeface="Noto Sans CJK KR Bold" panose="020B0800000000000000"/>
-                  <a:ea typeface="Noto Sans CJK KR Bold" panose="020B0800000000000000"/>
+                  <a:latin typeface="Noto Sans CJK KR Bold"/>
+                  <a:ea typeface="Noto Sans CJK KR Bold"/>
                 </a:rPr>
                 <a:t>에 로딩된 데이터 활용 </a:t>
               </a:r>
               <a:r>
-                <a:rPr lang="en-US" altLang="ko-KR" sz="1800" b="0" i="0" u="none" strike="noStrike" kern="1200" dirty="0">
+                <a:rPr lang="en-US" altLang="ko-KR" sz="1800" b="0" i="0" u="none" strike="noStrike" kern="1200">
                   <a:solidFill>
                     <a:srgbClr val="000000"/>
                   </a:solidFill>
                   <a:effectLst/>
-                  <a:latin typeface="Noto Sans CJK KR Bold" panose="020B0800000000000000"/>
-                  <a:ea typeface="Noto Sans CJK KR Bold" panose="020B0800000000000000"/>
+                  <a:latin typeface="Noto Sans CJK KR Bold"/>
+                  <a:ea typeface="Noto Sans CJK KR Bold"/>
                 </a:rPr>
                 <a:t>- </a:t>
               </a:r>
               <a:r>
-                <a:rPr lang="ko-KR" altLang="en-US" dirty="0">
+                <a:rPr lang="ko-KR" altLang="en-US">
                   <a:solidFill>
                     <a:srgbClr val="000000"/>
                   </a:solidFill>
-                  <a:latin typeface="Noto Sans CJK KR Bold" panose="020B0800000000000000"/>
-                  <a:ea typeface="Noto Sans CJK KR Bold" panose="020B0800000000000000"/>
+                  <a:latin typeface="Noto Sans CJK KR Bold"/>
+                  <a:ea typeface="Noto Sans CJK KR Bold"/>
                 </a:rPr>
                 <a:t>대화</a:t>
               </a:r>
-              <a:endParaRPr lang="ko-KR" altLang="ko-KR" sz="1800" b="0" i="0" u="none" strike="noStrike" dirty="0">
-                <a:effectLst/>
-                <a:latin typeface="Arial" panose="020B0604020202020204" pitchFamily="34" charset="0"/>
+              <a:endParaRPr lang="ko-KR" altLang="en-US">
+                <a:solidFill>
+                  <a:srgbClr val="000000"/>
+                </a:solidFill>
+                <a:latin typeface="Noto Sans CJK KR Bold"/>
+                <a:ea typeface="Noto Sans CJK KR Bold"/>
               </a:endParaRPr>
             </a:p>
             <a:p>
-              <a:pPr marL="0" marR="0" indent="0" rtl="0" eaLnBrk="1" fontAlgn="auto" latinLnBrk="1" hangingPunct="1">
+              <a:pPr marL="0" marR="0" indent="0" rtl="0" eaLnBrk="1" latinLnBrk="1" hangingPunct="1">
                 <a:spcBef>
                   <a:spcPts val="0"/>
                 </a:spcBef>
                 <a:spcAft>
                   <a:spcPts val="0"/>
                 </a:spcAft>
+                <a:defRPr/>
               </a:pPr>
-              <a:endParaRPr lang="ko-KR" altLang="ko-KR" sz="1800" b="0" i="0" u="none" strike="noStrike" dirty="0">
+              <a:endParaRPr lang="ko-KR" altLang="ko-KR" sz="1800" b="0" i="0" u="none" strike="noStrike">
                 <a:effectLst/>
-                <a:latin typeface="Arial" panose="020B0604020202020204" pitchFamily="34" charset="0"/>
+                <a:latin typeface="Arial"/>
               </a:endParaRPr>
             </a:p>
           </p:txBody>
@@ -13052,19 +12155,13 @@
       </p:grpSp>
       <p:pic>
         <p:nvPicPr>
-          <p:cNvPr id="9" name="그림 8">
-            <a:extLst>
-              <a:ext uri="{FF2B5EF4-FFF2-40B4-BE49-F238E27FC236}">
-                <a16:creationId xmlns:a16="http://schemas.microsoft.com/office/drawing/2014/main" id="{DC1FDDC8-F26D-D595-93ED-813FF0BFC7DA}"/>
-              </a:ext>
-            </a:extLst>
-          </p:cNvPr>
+          <p:cNvPr id="9" name="그림 8"/>
           <p:cNvPicPr>
             <a:picLocks noChangeAspect="1"/>
           </p:cNvPicPr>
           <p:nvPr/>
         </p:nvPicPr>
-        <p:blipFill>
+        <p:blipFill rotWithShape="1">
           <a:blip r:embed="rId3"/>
           <a:stretch>
             <a:fillRect/>
@@ -13072,7 +12169,7 @@
         </p:blipFill>
         <p:spPr>
           <a:xfrm>
-            <a:off x="6718403" y="1404719"/>
+            <a:off x="6718403" y="2357560"/>
             <a:ext cx="5082980" cy="1661304"/>
           </a:xfrm>
           <a:prstGeom prst="rect">
@@ -13082,19 +12179,13 @@
       </p:pic>
       <p:pic>
         <p:nvPicPr>
-          <p:cNvPr id="17" name="그림 16">
-            <a:extLst>
-              <a:ext uri="{FF2B5EF4-FFF2-40B4-BE49-F238E27FC236}">
-                <a16:creationId xmlns:a16="http://schemas.microsoft.com/office/drawing/2014/main" id="{1F91DB10-AFA0-60A9-E737-3C4308D0688B}"/>
-              </a:ext>
-            </a:extLst>
-          </p:cNvPr>
+          <p:cNvPr id="17" name="그림 16"/>
           <p:cNvPicPr>
             <a:picLocks noChangeAspect="1"/>
           </p:cNvPicPr>
           <p:nvPr/>
         </p:nvPicPr>
-        <p:blipFill>
+        <p:blipFill rotWithShape="1">
           <a:blip r:embed="rId4"/>
           <a:stretch>
             <a:fillRect/>
@@ -13102,7 +12193,7 @@
         </p:blipFill>
         <p:spPr>
           <a:xfrm>
-            <a:off x="6718403" y="4816421"/>
+            <a:off x="6718403" y="5292670"/>
             <a:ext cx="4282811" cy="960203"/>
           </a:xfrm>
           <a:prstGeom prst="rect">
@@ -13112,19 +12203,13 @@
       </p:pic>
       <p:sp>
         <p:nvSpPr>
-          <p:cNvPr id="20" name="TextBox 19">
-            <a:extLst>
-              <a:ext uri="{FF2B5EF4-FFF2-40B4-BE49-F238E27FC236}">
-                <a16:creationId xmlns:a16="http://schemas.microsoft.com/office/drawing/2014/main" id="{1417FF88-BBB2-B635-CF98-40D358F8AB5C}"/>
-              </a:ext>
-            </a:extLst>
-          </p:cNvPr>
+          <p:cNvPr id="20" name="TextBox 19"/>
           <p:cNvSpPr txBox="1"/>
           <p:nvPr/>
         </p:nvSpPr>
         <p:spPr>
           <a:xfrm>
-            <a:off x="6625165" y="1081376"/>
+            <a:off x="6625165" y="2034217"/>
             <a:ext cx="5697041" cy="276999"/>
           </a:xfrm>
           <a:prstGeom prst="rect">
@@ -13133,85 +12218,65 @@
           <a:noFill/>
         </p:spPr>
         <p:txBody>
-          <a:bodyPr wrap="square" rtlCol="0">
+          <a:bodyPr wrap="square">
             <a:spAutoFit/>
           </a:bodyPr>
           <a:lstStyle/>
           <a:p>
-            <a:r>
-              <a:rPr lang="ko-KR" altLang="en-US" sz="1200" b="1" dirty="0">
-                <a:latin typeface="G마켓 산스 TTF Medium" panose="02000000000000000000" pitchFamily="2" charset="-127"/>
-                <a:ea typeface="G마켓 산스 TTF Medium" panose="02000000000000000000" pitchFamily="2" charset="-127"/>
+            <a:pPr lvl="0">
+              <a:defRPr/>
+            </a:pPr>
+            <a:r>
+              <a:rPr lang="ko-KR" altLang="en-US" sz="1200" b="1">
+                <a:latin typeface="G마켓 산스 TTF Medium"/>
+                <a:ea typeface="G마켓 산스 TTF Medium"/>
               </a:rPr>
               <a:t>▶</a:t>
             </a:r>
             <a:r>
-              <a:rPr lang="en-US" altLang="ko-KR" sz="1200" b="1" dirty="0" err="1">
-                <a:latin typeface="G마켓 산스 TTF Medium" panose="02000000000000000000" pitchFamily="2" charset="-127"/>
-                <a:ea typeface="G마켓 산스 TTF Medium" panose="02000000000000000000" pitchFamily="2" charset="-127"/>
-              </a:rPr>
-              <a:t>ServerThread</a:t>
-            </a:r>
-            <a:r>
-              <a:rPr lang="en-US" altLang="ko-KR" sz="1200" b="1" dirty="0">
-                <a:latin typeface="G마켓 산스 TTF Medium" panose="02000000000000000000" pitchFamily="2" charset="-127"/>
-                <a:ea typeface="G마켓 산스 TTF Medium" panose="02000000000000000000" pitchFamily="2" charset="-127"/>
-              </a:rPr>
-              <a:t> </a:t>
-            </a:r>
-            <a:r>
-              <a:rPr lang="ko-KR" altLang="en-US" sz="1200" b="1" dirty="0">
-                <a:latin typeface="G마켓 산스 TTF Medium" panose="02000000000000000000" pitchFamily="2" charset="-127"/>
-                <a:ea typeface="G마켓 산스 TTF Medium" panose="02000000000000000000" pitchFamily="2" charset="-127"/>
+              <a:rPr lang="en-US" altLang="ko-KR" sz="1200" b="1">
+                <a:latin typeface="G마켓 산스 TTF Medium"/>
+                <a:ea typeface="G마켓 산스 TTF Medium"/>
+              </a:rPr>
+              <a:t>ServerThread </a:t>
+            </a:r>
+            <a:r>
+              <a:rPr lang="ko-KR" altLang="en-US" sz="1200" b="1">
+                <a:latin typeface="G마켓 산스 TTF Medium"/>
+                <a:ea typeface="G마켓 산스 TTF Medium"/>
               </a:rPr>
               <a:t>클래스 </a:t>
             </a:r>
             <a:r>
-              <a:rPr lang="en-US" altLang="ko-KR" sz="1200" b="1" dirty="0">
-                <a:latin typeface="G마켓 산스 TTF Medium" panose="02000000000000000000" pitchFamily="2" charset="-127"/>
-                <a:ea typeface="G마켓 산스 TTF Medium" panose="02000000000000000000" pitchFamily="2" charset="-127"/>
-              </a:rPr>
-              <a:t>– </a:t>
-            </a:r>
-            <a:r>
-              <a:rPr lang="en-US" altLang="ko-KR" sz="1200" b="1" dirty="0" err="1">
-                <a:latin typeface="G마켓 산스 TTF Medium" panose="02000000000000000000" pitchFamily="2" charset="-127"/>
-                <a:ea typeface="G마켓 산스 TTF Medium" panose="02000000000000000000" pitchFamily="2" charset="-127"/>
-              </a:rPr>
-              <a:t>showPreviousMsg</a:t>
-            </a:r>
-            <a:r>
-              <a:rPr lang="en-US" altLang="ko-KR" sz="1200" b="1" dirty="0">
-                <a:latin typeface="G마켓 산스 TTF Medium" panose="02000000000000000000" pitchFamily="2" charset="-127"/>
-                <a:ea typeface="G마켓 산스 TTF Medium" panose="02000000000000000000" pitchFamily="2" charset="-127"/>
-              </a:rPr>
-              <a:t>() </a:t>
-            </a:r>
-            <a:r>
-              <a:rPr lang="ko-KR" altLang="en-US" sz="1200" b="1" dirty="0">
-                <a:latin typeface="G마켓 산스 TTF Medium" panose="02000000000000000000" pitchFamily="2" charset="-127"/>
-                <a:ea typeface="G마켓 산스 TTF Medium" panose="02000000000000000000" pitchFamily="2" charset="-127"/>
+              <a:rPr lang="en-US" altLang="ko-KR" sz="1200" b="1">
+                <a:latin typeface="G마켓 산스 TTF Medium"/>
+                <a:ea typeface="G마켓 산스 TTF Medium"/>
+              </a:rPr>
+              <a:t>– showPreviousMsg() </a:t>
+            </a:r>
+            <a:r>
+              <a:rPr lang="ko-KR" altLang="en-US" sz="1200" b="1">
+                <a:latin typeface="G마켓 산스 TTF Medium"/>
+                <a:ea typeface="G마켓 산스 TTF Medium"/>
               </a:rPr>
               <a:t>메서드</a:t>
             </a:r>
+            <a:endParaRPr lang="ko-KR" altLang="en-US" sz="1200" b="1">
+              <a:latin typeface="G마켓 산스 TTF Medium"/>
+              <a:ea typeface="G마켓 산스 TTF Medium"/>
+            </a:endParaRPr>
           </a:p>
         </p:txBody>
       </p:sp>
       <p:sp>
         <p:nvSpPr>
-          <p:cNvPr id="21" name="TextBox 20">
-            <a:extLst>
-              <a:ext uri="{FF2B5EF4-FFF2-40B4-BE49-F238E27FC236}">
-                <a16:creationId xmlns:a16="http://schemas.microsoft.com/office/drawing/2014/main" id="{27378785-FF91-1825-BF77-AD4406EC8733}"/>
-              </a:ext>
-            </a:extLst>
-          </p:cNvPr>
+          <p:cNvPr id="21" name="TextBox 20"/>
           <p:cNvSpPr txBox="1"/>
           <p:nvPr/>
         </p:nvSpPr>
         <p:spPr>
           <a:xfrm>
-            <a:off x="6625165" y="4508946"/>
+            <a:off x="6625165" y="4985195"/>
             <a:ext cx="5697041" cy="276999"/>
           </a:xfrm>
           <a:prstGeom prst="rect">
@@ -13220,85 +12285,65 @@
           <a:noFill/>
         </p:spPr>
         <p:txBody>
-          <a:bodyPr wrap="square" rtlCol="0">
+          <a:bodyPr wrap="square">
             <a:spAutoFit/>
           </a:bodyPr>
           <a:lstStyle/>
           <a:p>
-            <a:r>
-              <a:rPr lang="ko-KR" altLang="en-US" sz="1200" b="1" dirty="0">
-                <a:latin typeface="G마켓 산스 TTF Medium" panose="02000000000000000000" pitchFamily="2" charset="-127"/>
-                <a:ea typeface="G마켓 산스 TTF Medium" panose="02000000000000000000" pitchFamily="2" charset="-127"/>
+            <a:pPr lvl="0">
+              <a:defRPr/>
+            </a:pPr>
+            <a:r>
+              <a:rPr lang="ko-KR" altLang="en-US" sz="1200" b="1">
+                <a:latin typeface="G마켓 산스 TTF Medium"/>
+                <a:ea typeface="G마켓 산스 TTF Medium"/>
               </a:rPr>
               <a:t>▶</a:t>
             </a:r>
             <a:r>
-              <a:rPr lang="en-US" altLang="ko-KR" sz="1200" b="1" dirty="0" err="1">
-                <a:latin typeface="G마켓 산스 TTF Medium" panose="02000000000000000000" pitchFamily="2" charset="-127"/>
-                <a:ea typeface="G마켓 산스 TTF Medium" panose="02000000000000000000" pitchFamily="2" charset="-127"/>
-              </a:rPr>
-              <a:t>ChatServer</a:t>
-            </a:r>
-            <a:r>
-              <a:rPr lang="en-US" altLang="ko-KR" sz="1200" b="1" dirty="0">
-                <a:latin typeface="G마켓 산스 TTF Medium" panose="02000000000000000000" pitchFamily="2" charset="-127"/>
-                <a:ea typeface="G마켓 산스 TTF Medium" panose="02000000000000000000" pitchFamily="2" charset="-127"/>
-              </a:rPr>
-              <a:t> </a:t>
-            </a:r>
-            <a:r>
-              <a:rPr lang="ko-KR" altLang="en-US" sz="1200" b="1" dirty="0">
-                <a:latin typeface="G마켓 산스 TTF Medium" panose="02000000000000000000" pitchFamily="2" charset="-127"/>
-                <a:ea typeface="G마켓 산스 TTF Medium" panose="02000000000000000000" pitchFamily="2" charset="-127"/>
+              <a:rPr lang="en-US" altLang="ko-KR" sz="1200" b="1">
+                <a:latin typeface="G마켓 산스 TTF Medium"/>
+                <a:ea typeface="G마켓 산스 TTF Medium"/>
+              </a:rPr>
+              <a:t>ChatServer </a:t>
+            </a:r>
+            <a:r>
+              <a:rPr lang="ko-KR" altLang="en-US" sz="1200" b="1">
+                <a:latin typeface="G마켓 산스 TTF Medium"/>
+                <a:ea typeface="G마켓 산스 TTF Medium"/>
               </a:rPr>
               <a:t>클래스 </a:t>
             </a:r>
             <a:r>
-              <a:rPr lang="en-US" altLang="ko-KR" sz="1200" b="1" dirty="0">
-                <a:latin typeface="G마켓 산스 TTF Medium" panose="02000000000000000000" pitchFamily="2" charset="-127"/>
-                <a:ea typeface="G마켓 산스 TTF Medium" panose="02000000000000000000" pitchFamily="2" charset="-127"/>
-              </a:rPr>
-              <a:t>– </a:t>
-            </a:r>
-            <a:r>
-              <a:rPr lang="en-US" altLang="ko-KR" sz="1200" b="1" dirty="0" err="1">
-                <a:latin typeface="G마켓 산스 TTF Medium" panose="02000000000000000000" pitchFamily="2" charset="-127"/>
-                <a:ea typeface="G마켓 산스 TTF Medium" panose="02000000000000000000" pitchFamily="2" charset="-127"/>
-              </a:rPr>
-              <a:t>getChatContents</a:t>
-            </a:r>
-            <a:r>
-              <a:rPr lang="en-US" altLang="ko-KR" sz="1200" b="1" dirty="0">
-                <a:latin typeface="G마켓 산스 TTF Medium" panose="02000000000000000000" pitchFamily="2" charset="-127"/>
-                <a:ea typeface="G마켓 산스 TTF Medium" panose="02000000000000000000" pitchFamily="2" charset="-127"/>
-              </a:rPr>
-              <a:t>() </a:t>
-            </a:r>
-            <a:r>
-              <a:rPr lang="ko-KR" altLang="en-US" sz="1200" b="1" dirty="0">
-                <a:latin typeface="G마켓 산스 TTF Medium" panose="02000000000000000000" pitchFamily="2" charset="-127"/>
-                <a:ea typeface="G마켓 산스 TTF Medium" panose="02000000000000000000" pitchFamily="2" charset="-127"/>
+              <a:rPr lang="en-US" altLang="ko-KR" sz="1200" b="1">
+                <a:latin typeface="G마켓 산스 TTF Medium"/>
+                <a:ea typeface="G마켓 산스 TTF Medium"/>
+              </a:rPr>
+              <a:t>– getChatContents() </a:t>
+            </a:r>
+            <a:r>
+              <a:rPr lang="ko-KR" altLang="en-US" sz="1200" b="1">
+                <a:latin typeface="G마켓 산스 TTF Medium"/>
+                <a:ea typeface="G마켓 산스 TTF Medium"/>
               </a:rPr>
               <a:t>메서드</a:t>
             </a:r>
+            <a:endParaRPr lang="ko-KR" altLang="en-US" sz="1200" b="1">
+              <a:latin typeface="G마켓 산스 TTF Medium"/>
+              <a:ea typeface="G마켓 산스 TTF Medium"/>
+            </a:endParaRPr>
           </a:p>
         </p:txBody>
       </p:sp>
       <p:sp>
         <p:nvSpPr>
-          <p:cNvPr id="22" name="TextBox 21">
-            <a:extLst>
-              <a:ext uri="{FF2B5EF4-FFF2-40B4-BE49-F238E27FC236}">
-                <a16:creationId xmlns:a16="http://schemas.microsoft.com/office/drawing/2014/main" id="{B7C5E2C7-252C-3940-02AE-33DB782A7279}"/>
-              </a:ext>
-            </a:extLst>
-          </p:cNvPr>
+          <p:cNvPr id="22" name="TextBox 21"/>
           <p:cNvSpPr txBox="1"/>
           <p:nvPr/>
         </p:nvSpPr>
         <p:spPr>
           <a:xfrm>
-            <a:off x="6715293" y="3160464"/>
+            <a:off x="6715293" y="4148241"/>
             <a:ext cx="4853662" cy="711733"/>
           </a:xfrm>
           <a:prstGeom prst="rect">
@@ -13307,7 +12352,7 @@
           <a:noFill/>
         </p:spPr>
         <p:txBody>
-          <a:bodyPr wrap="square" rtlCol="0">
+          <a:bodyPr wrap="square">
             <a:spAutoFit/>
           </a:bodyPr>
           <a:lstStyle/>
@@ -13316,53 +12361,54 @@
               <a:lnSpc>
                 <a:spcPct val="150000"/>
               </a:lnSpc>
+              <a:defRPr/>
             </a:pPr>
             <a:r>
-              <a:rPr lang="en-US" altLang="ko-KR" sz="1400" dirty="0">
+              <a:rPr lang="en-US" altLang="ko-KR" sz="1400">
                 <a:solidFill>
                   <a:schemeClr val="accent1"/>
                 </a:solidFill>
-                <a:latin typeface="G마켓 산스 TTF Medium" panose="02000000000000000000" pitchFamily="2" charset="-127"/>
-                <a:ea typeface="G마켓 산스 TTF Medium" panose="02000000000000000000" pitchFamily="2" charset="-127"/>
+                <a:latin typeface="G마켓 산스 TTF Medium"/>
+                <a:ea typeface="G마켓 산스 TTF Medium"/>
               </a:rPr>
               <a:t>Csv </a:t>
             </a:r>
             <a:r>
-              <a:rPr lang="ko-KR" altLang="en-US" sz="1400" dirty="0">
+              <a:rPr lang="ko-KR" altLang="en-US" sz="1400">
                 <a:solidFill>
                   <a:schemeClr val="accent1"/>
                 </a:solidFill>
-                <a:latin typeface="G마켓 산스 TTF Medium" panose="02000000000000000000" pitchFamily="2" charset="-127"/>
-                <a:ea typeface="G마켓 산스 TTF Medium" panose="02000000000000000000" pitchFamily="2" charset="-127"/>
+                <a:latin typeface="G마켓 산스 TTF Medium"/>
+                <a:ea typeface="G마켓 산스 TTF Medium"/>
               </a:rPr>
               <a:t>파일 로딩 후 </a:t>
             </a:r>
             <a:r>
-              <a:rPr lang="en-US" altLang="ko-KR" sz="1400" dirty="0" err="1">
+              <a:rPr lang="en-US" altLang="ko-KR" sz="1400">
                 <a:solidFill>
                   <a:schemeClr val="accent1"/>
                 </a:solidFill>
-                <a:latin typeface="G마켓 산스 TTF Medium" panose="02000000000000000000" pitchFamily="2" charset="-127"/>
-                <a:ea typeface="G마켓 산스 TTF Medium" panose="02000000000000000000" pitchFamily="2" charset="-127"/>
+                <a:latin typeface="G마켓 산스 TTF Medium"/>
+                <a:ea typeface="G마켓 산스 TTF Medium"/>
               </a:rPr>
               <a:t>ChatMap</a:t>
             </a:r>
             <a:r>
-              <a:rPr lang="ko-KR" altLang="en-US" sz="1400" dirty="0">
+              <a:rPr lang="ko-KR" altLang="en-US" sz="1400">
                 <a:solidFill>
                   <a:schemeClr val="accent1"/>
                 </a:solidFill>
-                <a:latin typeface="G마켓 산스 TTF Medium" panose="02000000000000000000" pitchFamily="2" charset="-127"/>
-                <a:ea typeface="G마켓 산스 TTF Medium" panose="02000000000000000000" pitchFamily="2" charset="-127"/>
+                <a:latin typeface="G마켓 산스 TTF Medium"/>
+                <a:ea typeface="G마켓 산스 TTF Medium"/>
               </a:rPr>
               <a:t>에 이전에 접속한 유저의 </a:t>
             </a:r>
-            <a:endParaRPr lang="en-US" altLang="ko-KR" sz="1400" dirty="0">
+            <a:endParaRPr lang="ko-KR" altLang="en-US" sz="1400">
               <a:solidFill>
                 <a:schemeClr val="accent1"/>
               </a:solidFill>
-              <a:latin typeface="G마켓 산스 TTF Medium" panose="02000000000000000000" pitchFamily="2" charset="-127"/>
-              <a:ea typeface="G마켓 산스 TTF Medium" panose="02000000000000000000" pitchFamily="2" charset="-127"/>
+              <a:latin typeface="G마켓 산스 TTF Medium"/>
+              <a:ea typeface="G마켓 산스 TTF Medium"/>
             </a:endParaRPr>
           </a:p>
           <a:p>
@@ -13370,62 +12416,57 @@
               <a:lnSpc>
                 <a:spcPct val="150000"/>
               </a:lnSpc>
+              <a:defRPr/>
             </a:pPr>
             <a:r>
-              <a:rPr lang="ko-KR" altLang="en-US" sz="1400" dirty="0">
+              <a:rPr lang="ko-KR" altLang="en-US" sz="1400">
                 <a:solidFill>
                   <a:schemeClr val="accent1"/>
                 </a:solidFill>
-                <a:latin typeface="G마켓 산스 TTF Medium" panose="02000000000000000000" pitchFamily="2" charset="-127"/>
-                <a:ea typeface="G마켓 산스 TTF Medium" panose="02000000000000000000" pitchFamily="2" charset="-127"/>
+                <a:latin typeface="G마켓 산스 TTF Medium"/>
+                <a:ea typeface="G마켓 산스 TTF Medium"/>
               </a:rPr>
               <a:t>대화 기록과 </a:t>
             </a:r>
             <a:r>
-              <a:rPr lang="en-US" altLang="ko-KR" sz="1400" dirty="0">
+              <a:rPr lang="en-US" altLang="ko-KR" sz="1400">
                 <a:solidFill>
                   <a:schemeClr val="accent1"/>
                 </a:solidFill>
-                <a:latin typeface="G마켓 산스 TTF Medium" panose="02000000000000000000" pitchFamily="2" charset="-127"/>
-                <a:ea typeface="G마켓 산스 TTF Medium" panose="02000000000000000000" pitchFamily="2" charset="-127"/>
+                <a:latin typeface="G마켓 산스 TTF Medium"/>
+                <a:ea typeface="G마켓 산스 TTF Medium"/>
               </a:rPr>
               <a:t>Timestamp</a:t>
             </a:r>
             <a:r>
-              <a:rPr lang="ko-KR" altLang="en-US" sz="1400" dirty="0">
+              <a:rPr lang="ko-KR" altLang="en-US" sz="1400">
                 <a:solidFill>
                   <a:schemeClr val="accent1"/>
                 </a:solidFill>
-                <a:latin typeface="G마켓 산스 TTF Medium" panose="02000000000000000000" pitchFamily="2" charset="-127"/>
-                <a:ea typeface="G마켓 산스 TTF Medium" panose="02000000000000000000" pitchFamily="2" charset="-127"/>
+                <a:latin typeface="G마켓 산스 TTF Medium"/>
+                <a:ea typeface="G마켓 산스 TTF Medium"/>
               </a:rPr>
               <a:t>가 한 쌍으로 저장되어 있음</a:t>
             </a:r>
-            <a:endParaRPr lang="en-US" altLang="ko-KR" sz="1400" dirty="0">
+            <a:endParaRPr lang="en-US" altLang="ko-KR" sz="1400">
               <a:solidFill>
                 <a:schemeClr val="accent1"/>
               </a:solidFill>
-              <a:latin typeface="G마켓 산스 TTF Medium" panose="02000000000000000000" pitchFamily="2" charset="-127"/>
-              <a:ea typeface="G마켓 산스 TTF Medium" panose="02000000000000000000" pitchFamily="2" charset="-127"/>
+              <a:latin typeface="G마켓 산스 TTF Medium"/>
+              <a:ea typeface="G마켓 산스 TTF Medium"/>
             </a:endParaRPr>
           </a:p>
         </p:txBody>
       </p:sp>
       <p:sp>
         <p:nvSpPr>
-          <p:cNvPr id="23" name="직사각형 22">
-            <a:extLst>
-              <a:ext uri="{FF2B5EF4-FFF2-40B4-BE49-F238E27FC236}">
-                <a16:creationId xmlns:a16="http://schemas.microsoft.com/office/drawing/2014/main" id="{B417DD9D-D380-24F5-7A45-3A09BAA62FBD}"/>
-              </a:ext>
-            </a:extLst>
-          </p:cNvPr>
+          <p:cNvPr id="23" name="직사각형 22"/>
           <p:cNvSpPr/>
           <p:nvPr/>
         </p:nvSpPr>
         <p:spPr>
           <a:xfrm>
-            <a:off x="8712665" y="2290439"/>
+            <a:off x="8712665" y="3243280"/>
             <a:ext cx="2925960" cy="185720"/>
           </a:xfrm>
           <a:prstGeom prst="rect">
@@ -13434,7 +12475,7 @@
           <a:noFill/>
           <a:ln w="38100">
             <a:solidFill>
-              <a:srgbClr val="FF0000"/>
+              <a:srgbClr val="ff0000"/>
             </a:solidFill>
           </a:ln>
         </p:spPr>
@@ -13455,13 +12496,15 @@
           </a:fontRef>
         </p:style>
         <p:txBody>
-          <a:bodyPr rtlCol="0" anchor="ctr"/>
+          <a:bodyPr anchor="ctr"/>
           <a:lstStyle/>
           <a:p>
-            <a:pPr algn="ctr"/>
+            <a:pPr algn="ctr">
+              <a:defRPr/>
+            </a:pPr>
             <a:endParaRPr lang="ko-KR" altLang="en-US">
               <a:solidFill>
-                <a:srgbClr val="FF0000"/>
+                <a:srgbClr val="ff0000"/>
               </a:solidFill>
             </a:endParaRPr>
           </a:p>
@@ -13469,30 +12512,210 @@
       </p:sp>
       <p:cxnSp>
         <p:nvCxnSpPr>
-          <p:cNvPr id="24" name="연결선: 꺾임 23">
-            <a:extLst>
-              <a:ext uri="{FF2B5EF4-FFF2-40B4-BE49-F238E27FC236}">
-                <a16:creationId xmlns:a16="http://schemas.microsoft.com/office/drawing/2014/main" id="{1D003E54-0FB3-9F61-D8B1-26E71D725275}"/>
-              </a:ext>
-            </a:extLst>
-          </p:cNvPr>
+          <p:cNvPr id="24" name="연결선: 꺾임 23"/>
           <p:cNvCxnSpPr>
-            <a:cxnSpLocks/>
+            <a:stCxn id="23" idx="3"/>
             <a:endCxn id="17" idx="3"/>
           </p:cNvCxnSpPr>
           <p:nvPr/>
         </p:nvCxnSpPr>
         <p:spPr>
-          <a:xfrm rot="5400000">
-            <a:off x="9846186" y="3504083"/>
-            <a:ext cx="2947468" cy="637412"/>
+          <a:xfrm flipH="1">
+            <a:off x="11001215" y="3336140"/>
+            <a:ext cx="637410" cy="2436632"/>
           </a:xfrm>
-          <a:prstGeom prst="bentConnector2">
-            <a:avLst/>
+          <a:prstGeom prst="bentConnector3">
+            <a:avLst>
+              <a:gd name="adj1" fmla="val -21681"/>
+            </a:avLst>
           </a:prstGeom>
           <a:ln w="38100">
             <a:solidFill>
-              <a:srgbClr val="FF0000"/>
+              <a:srgbClr val="ff0000"/>
+            </a:solidFill>
+            <a:tailEnd type="triangle"/>
+          </a:ln>
+        </p:spPr>
+        <p:style>
+          <a:lnRef idx="1">
+            <a:schemeClr val="accent1"/>
+          </a:lnRef>
+          <a:fillRef idx="0">
+            <a:schemeClr val="accent1"/>
+          </a:fillRef>
+          <a:effectRef idx="0">
+            <a:schemeClr val="accent1"/>
+          </a:effectRef>
+          <a:fontRef idx="minor">
+            <a:schemeClr val="tx1"/>
+          </a:fontRef>
+        </p:style>
+      </p:cxnSp>
+      <p:pic>
+        <p:nvPicPr>
+          <p:cNvPr id="25" name=""/>
+          <p:cNvPicPr>
+            <a:picLocks noChangeAspect="1"/>
+          </p:cNvPicPr>
+          <p:nvPr/>
+        </p:nvPicPr>
+        <p:blipFill rotWithShape="1">
+          <a:blip r:embed="rId5"/>
+          <a:stretch>
+            <a:fillRect/>
+          </a:stretch>
+        </p:blipFill>
+        <p:spPr>
+          <a:xfrm>
+            <a:off x="6710486" y="1055274"/>
+            <a:ext cx="3286583" cy="866895"/>
+          </a:xfrm>
+          <a:prstGeom prst="rect">
+            <a:avLst/>
+          </a:prstGeom>
+        </p:spPr>
+      </p:pic>
+      <p:sp>
+        <p:nvSpPr>
+          <p:cNvPr id="26" name="TextBox 19"/>
+          <p:cNvSpPr txBox="1"/>
+          <p:nvPr/>
+        </p:nvSpPr>
+        <p:spPr>
+          <a:xfrm>
+            <a:off x="6662527" y="781855"/>
+            <a:ext cx="5697042" cy="270692"/>
+          </a:xfrm>
+          <a:prstGeom prst="rect">
+            <a:avLst/>
+          </a:prstGeom>
+          <a:noFill/>
+        </p:spPr>
+        <p:txBody>
+          <a:bodyPr wrap="square">
+            <a:spAutoFit/>
+          </a:bodyPr>
+          <a:lstStyle/>
+          <a:p>
+            <a:pPr lvl="0">
+              <a:defRPr/>
+            </a:pPr>
+            <a:r>
+              <a:rPr lang="ko-KR" altLang="en-US" sz="1200" b="1">
+                <a:latin typeface="G마켓 산스 TTF Medium"/>
+                <a:ea typeface="G마켓 산스 TTF Medium"/>
+              </a:rPr>
+              <a:t>▶</a:t>
+            </a:r>
+            <a:r>
+              <a:rPr lang="en-US" altLang="ko-KR" sz="1200" b="1">
+                <a:latin typeface="G마켓 산스 TTF Medium"/>
+                <a:ea typeface="G마켓 산스 TTF Medium"/>
+              </a:rPr>
+              <a:t>ChatServer </a:t>
+            </a:r>
+            <a:r>
+              <a:rPr lang="ko-KR" altLang="en-US" sz="1200" b="1">
+                <a:latin typeface="G마켓 산스 TTF Medium"/>
+                <a:ea typeface="G마켓 산스 TTF Medium"/>
+              </a:rPr>
+              <a:t>클래스 </a:t>
+            </a:r>
+            <a:r>
+              <a:rPr lang="en-US" altLang="ko-KR" sz="1200" b="1">
+                <a:latin typeface="G마켓 산스 TTF Medium"/>
+                <a:ea typeface="G마켓 산스 TTF Medium"/>
+              </a:rPr>
+              <a:t>– getIterator() </a:t>
+            </a:r>
+            <a:r>
+              <a:rPr lang="ko-KR" altLang="en-US" sz="1200" b="1">
+                <a:latin typeface="G마켓 산스 TTF Medium"/>
+                <a:ea typeface="G마켓 산스 TTF Medium"/>
+              </a:rPr>
+              <a:t>메서드</a:t>
+            </a:r>
+            <a:endParaRPr lang="ko-KR" altLang="en-US" sz="1200" b="1">
+              <a:latin typeface="G마켓 산스 TTF Medium"/>
+              <a:ea typeface="G마켓 산스 TTF Medium"/>
+            </a:endParaRPr>
+          </a:p>
+        </p:txBody>
+      </p:sp>
+      <p:sp>
+        <p:nvSpPr>
+          <p:cNvPr id="27" name="직사각형 22"/>
+          <p:cNvSpPr/>
+          <p:nvPr/>
+        </p:nvSpPr>
+        <p:spPr>
+          <a:xfrm>
+            <a:off x="8606833" y="2714113"/>
+            <a:ext cx="1982280" cy="220998"/>
+          </a:xfrm>
+          <a:prstGeom prst="rect">
+            <a:avLst/>
+          </a:prstGeom>
+          <a:noFill/>
+          <a:ln w="38100">
+            <a:solidFill>
+              <a:srgbClr val="ff0000"/>
+            </a:solidFill>
+          </a:ln>
+        </p:spPr>
+        <p:style>
+          <a:lnRef idx="2">
+            <a:schemeClr val="accent1">
+              <a:shade val="15000"/>
+            </a:schemeClr>
+          </a:lnRef>
+          <a:fillRef idx="1">
+            <a:schemeClr val="accent1"/>
+          </a:fillRef>
+          <a:effectRef idx="0">
+            <a:schemeClr val="accent1"/>
+          </a:effectRef>
+          <a:fontRef idx="minor">
+            <a:schemeClr val="lt1"/>
+          </a:fontRef>
+        </p:style>
+        <p:txBody>
+          <a:bodyPr anchor="ctr"/>
+          <a:lstStyle/>
+          <a:p>
+            <a:pPr algn="ctr">
+              <a:defRPr/>
+            </a:pPr>
+            <a:endParaRPr lang="ko-KR" altLang="en-US">
+              <a:solidFill>
+                <a:srgbClr val="ff0000"/>
+              </a:solidFill>
+            </a:endParaRPr>
+          </a:p>
+        </p:txBody>
+      </p:sp>
+      <p:cxnSp>
+        <p:nvCxnSpPr>
+          <p:cNvPr id="28" name="연결선: 꺾임 23"/>
+          <p:cNvCxnSpPr>
+            <a:stCxn id="27" idx="3"/>
+            <a:endCxn id="25" idx="3"/>
+          </p:cNvCxnSpPr>
+          <p:nvPr/>
+        </p:nvCxnSpPr>
+        <p:spPr>
+          <a:xfrm flipH="1" flipV="1">
+            <a:off x="9997070" y="1488722"/>
+            <a:ext cx="592044" cy="1335889"/>
+          </a:xfrm>
+          <a:prstGeom prst="bentConnector3">
+            <a:avLst>
+              <a:gd name="adj1" fmla="val -23729"/>
+            </a:avLst>
+          </a:prstGeom>
+          <a:ln w="38100">
+            <a:solidFill>
+              <a:srgbClr val="ff0000"/>
             </a:solidFill>
             <a:tailEnd type="triangle"/>
           </a:ln>
@@ -13513,15 +12736,18 @@
         </p:style>
       </p:cxnSp>
     </p:spTree>
-    <p:extLst>
-      <p:ext uri="{BB962C8B-B14F-4D97-AF65-F5344CB8AC3E}">
-        <p14:creationId xmlns:p14="http://schemas.microsoft.com/office/powerpoint/2010/main" val="3591238993"/>
-      </p:ext>
-    </p:extLst>
   </p:cSld>
   <p:clrMapOvr>
     <a:masterClrMapping/>
   </p:clrMapOvr>
+  <mc:AlternateContent xmlns:mc="http://schemas.openxmlformats.org/markup-compatibility/2006">
+    <mc:Choice xmlns:p14="http://schemas.microsoft.com/office/powerpoint/2010/main" Requires="p14">
+      <p:transition xmlns:mc="http://schemas.openxmlformats.org/markup-compatibility/2006" xmlns:p14="http://schemas.microsoft.com/office/powerpoint/2010/main" mc:Ignorable="p14" p14:dur="500"/>
+    </mc:Choice>
+    <mc:Fallback>
+      <p:transition/>
+    </mc:Fallback>
+  </mc:AlternateContent>
 </p:sld>
 </file>
 
@@ -26711,44 +25937,44 @@
 </file>
 
 <file path=ppt/theme/theme1.xml><?xml version="1.0" encoding="utf-8"?>
-<a:theme xmlns:a="http://schemas.openxmlformats.org/drawingml/2006/main" name="SketchyVTI">
+<a:theme xmlns:r="http://schemas.openxmlformats.org/officeDocument/2006/relationships" xmlns:c="http://schemas.openxmlformats.org/drawingml/2006/chart" xmlns:dgm="http://schemas.openxmlformats.org/drawingml/2006/diagram" xmlns:dsp="http://schemas.microsoft.com/office/drawing/2008/diagram" xmlns:a="http://schemas.openxmlformats.org/drawingml/2006/main" xmlns:pic="http://schemas.openxmlformats.org/drawingml/2006/picture" xmlns:wp="http://schemas.openxmlformats.org/drawingml/2006/wordprocessingDrawing" xmlns:xdr="http://schemas.openxmlformats.org/drawingml/2006/spreadsheetDrawing" xmlns:lc="http://schemas.openxmlformats.org/drawingml/2006/lockedCanvas" xmlns:p="http://schemas.openxmlformats.org/presentationml/2006/main" name="SketchyVTI">
   <a:themeElements>
     <a:clrScheme name="SketchyVTI">
       <a:dk1>
         <a:sysClr val="windowText" lastClr="000000"/>
       </a:dk1>
       <a:lt1>
-        <a:sysClr val="window" lastClr="FFFFFF"/>
+        <a:sysClr val="window" lastClr="ffffff"/>
       </a:lt1>
       <a:dk2>
-        <a:srgbClr val="39302A"/>
+        <a:srgbClr val="39302a"/>
       </a:dk2>
       <a:lt2>
-        <a:srgbClr val="E5DEDB"/>
+        <a:srgbClr val="e5dedb"/>
       </a:lt2>
       <a:accent1>
-        <a:srgbClr val="E4650E"/>
+        <a:srgbClr val="e4650e"/>
       </a:accent1>
       <a:accent2>
-        <a:srgbClr val="00A5AB"/>
+        <a:srgbClr val="00a5ab"/>
       </a:accent2>
       <a:accent3>
-        <a:srgbClr val="09963B"/>
+        <a:srgbClr val="09963b"/>
       </a:accent3>
       <a:accent4>
-        <a:srgbClr val="E64823"/>
+        <a:srgbClr val="e64823"/>
       </a:accent4>
       <a:accent5>
-        <a:srgbClr val="9C6A6A"/>
+        <a:srgbClr val="9c6a6a"/>
       </a:accent5>
       <a:accent6>
-        <a:srgbClr val="824F8C"/>
+        <a:srgbClr val="824f8c"/>
       </a:accent6>
       <a:hlink>
-        <a:srgbClr val="2998E3"/>
+        <a:srgbClr val="2998e3"/>
       </a:hlink>
       <a:folHlink>
-        <a:srgbClr val="7F723D"/>
+        <a:srgbClr val="7f723d"/>
       </a:folHlink>
     </a:clrScheme>
     <a:fontScheme name="Custom 2">
@@ -26827,21 +26053,21 @@
             <a:schemeClr val="phClr"/>
           </a:solidFill>
           <a:prstDash val="solid"/>
-          <a:miter lim="800000"/>
+          <a:miter/>
         </a:ln>
         <a:ln w="12700" cap="flat" cmpd="sng" algn="ctr">
           <a:solidFill>
             <a:schemeClr val="phClr"/>
           </a:solidFill>
           <a:prstDash val="solid"/>
-          <a:miter lim="800000"/>
+          <a:miter/>
         </a:ln>
         <a:ln w="19050" cap="flat" cmpd="sng" algn="ctr">
           <a:solidFill>
             <a:schemeClr val="phClr"/>
           </a:solidFill>
           <a:prstDash val="solid"/>
-          <a:miter lim="800000"/>
+          <a:miter/>
         </a:ln>
       </a:lnStyleLst>
       <a:effectStyleLst>
@@ -26901,12 +26127,5 @@
       </a:bgFillStyleLst>
     </a:fmtScheme>
   </a:themeElements>
-  <a:objectDefaults/>
-  <a:extraClrSchemeLst/>
-  <a:extLst>
-    <a:ext uri="{05A4C25C-085E-4340-85A3-A5531E510DB2}">
-      <thm15:themeFamily xmlns:thm15="http://schemas.microsoft.com/office/thememl/2012/main" name="SketchyVTI" id="{A6D2C935-A6E4-4DD9-BCC5-5AE2504DB8EA}" vid="{F0754072-50B6-4C01-B911-67246C9F58D2}"/>
-    </a:ext>
-  </a:extLst>
 </a:theme>
 </file>